--- a/School Management System.pptx
+++ b/School Management System.pptx
@@ -1,6 +1,6 @@
 
 <file path=ppt/presentation.xml><?xml version="1.0" encoding="utf-8"?>
-<p:presentation xmlns:a="http://schemas.openxmlformats.org/drawingml/2006/main" xmlns:r="http://schemas.openxmlformats.org/officeDocument/2006/relationships" xmlns:p="http://schemas.openxmlformats.org/presentationml/2006/main" saveSubsetFonts="1" bookmarkIdSeed="3">
+<p:presentation xmlns:a="http://schemas.openxmlformats.org/drawingml/2006/main" xmlns:r="http://schemas.openxmlformats.org/officeDocument/2006/relationships" xmlns:p="http://schemas.openxmlformats.org/presentationml/2006/main" saveSubsetFonts="1" bookmarkIdSeed="12">
   <p:sldMasterIdLst>
     <p:sldMasterId id="2147483648" r:id="rId1"/>
   </p:sldMasterIdLst>
@@ -14,7 +14,7 @@
     <p:sldId id="281" r:id="rId8"/>
     <p:sldId id="263" r:id="rId9"/>
     <p:sldId id="264" r:id="rId10"/>
-    <p:sldId id="265" r:id="rId11"/>
+    <p:sldId id="289" r:id="rId11"/>
     <p:sldId id="279" r:id="rId12"/>
     <p:sldId id="266" r:id="rId13"/>
     <p:sldId id="267" r:id="rId14"/>
@@ -29,11 +29,21 @@
     <p:sldId id="288" r:id="rId23"/>
     <p:sldId id="272" r:id="rId24"/>
     <p:sldId id="273" r:id="rId25"/>
-    <p:sldId id="274" r:id="rId26"/>
-    <p:sldId id="275" r:id="rId27"/>
-    <p:sldId id="276" r:id="rId28"/>
-    <p:sldId id="277" r:id="rId29"/>
-    <p:sldId id="278" r:id="rId30"/>
+    <p:sldId id="275" r:id="rId26"/>
+    <p:sldId id="290" r:id="rId27"/>
+    <p:sldId id="291" r:id="rId28"/>
+    <p:sldId id="292" r:id="rId29"/>
+    <p:sldId id="293" r:id="rId30"/>
+    <p:sldId id="294" r:id="rId31"/>
+    <p:sldId id="295" r:id="rId32"/>
+    <p:sldId id="296" r:id="rId33"/>
+    <p:sldId id="297" r:id="rId34"/>
+    <p:sldId id="298" r:id="rId35"/>
+    <p:sldId id="299" r:id="rId36"/>
+    <p:sldId id="274" r:id="rId37"/>
+    <p:sldId id="276" r:id="rId38"/>
+    <p:sldId id="277" r:id="rId39"/>
+    <p:sldId id="278" r:id="rId40"/>
   </p:sldIdLst>
   <p:sldSz cx="12192000" cy="6858000"/>
   <p:notesSz cx="6858000" cy="9144000"/>
@@ -271,7 +281,7 @@
           <a:p>
             <a:fld id="{6CAADD95-A7FA-43AD-ABC2-F7D4038443DF}" type="datetimeFigureOut">
               <a:rPr lang="en-US" smtClean="0"/>
-              <a:t>4/2/2019</a:t>
+              <a:t>4/22/2019</a:t>
             </a:fld>
             <a:endParaRPr lang="en-US"/>
           </a:p>
@@ -441,7 +451,7 @@
           <a:p>
             <a:fld id="{6CAADD95-A7FA-43AD-ABC2-F7D4038443DF}" type="datetimeFigureOut">
               <a:rPr lang="en-US" smtClean="0"/>
-              <a:t>4/2/2019</a:t>
+              <a:t>4/22/2019</a:t>
             </a:fld>
             <a:endParaRPr lang="en-US"/>
           </a:p>
@@ -621,7 +631,7 @@
           <a:p>
             <a:fld id="{6CAADD95-A7FA-43AD-ABC2-F7D4038443DF}" type="datetimeFigureOut">
               <a:rPr lang="en-US" smtClean="0"/>
-              <a:t>4/2/2019</a:t>
+              <a:t>4/22/2019</a:t>
             </a:fld>
             <a:endParaRPr lang="en-US"/>
           </a:p>
@@ -791,7 +801,7 @@
           <a:p>
             <a:fld id="{6CAADD95-A7FA-43AD-ABC2-F7D4038443DF}" type="datetimeFigureOut">
               <a:rPr lang="en-US" smtClean="0"/>
-              <a:t>4/2/2019</a:t>
+              <a:t>4/22/2019</a:t>
             </a:fld>
             <a:endParaRPr lang="en-US"/>
           </a:p>
@@ -1037,7 +1047,7 @@
           <a:p>
             <a:fld id="{6CAADD95-A7FA-43AD-ABC2-F7D4038443DF}" type="datetimeFigureOut">
               <a:rPr lang="en-US" smtClean="0"/>
-              <a:t>4/2/2019</a:t>
+              <a:t>4/22/2019</a:t>
             </a:fld>
             <a:endParaRPr lang="en-US"/>
           </a:p>
@@ -1269,7 +1279,7 @@
           <a:p>
             <a:fld id="{6CAADD95-A7FA-43AD-ABC2-F7D4038443DF}" type="datetimeFigureOut">
               <a:rPr lang="en-US" smtClean="0"/>
-              <a:t>4/2/2019</a:t>
+              <a:t>4/22/2019</a:t>
             </a:fld>
             <a:endParaRPr lang="en-US"/>
           </a:p>
@@ -1636,7 +1646,7 @@
           <a:p>
             <a:fld id="{6CAADD95-A7FA-43AD-ABC2-F7D4038443DF}" type="datetimeFigureOut">
               <a:rPr lang="en-US" smtClean="0"/>
-              <a:t>4/2/2019</a:t>
+              <a:t>4/22/2019</a:t>
             </a:fld>
             <a:endParaRPr lang="en-US"/>
           </a:p>
@@ -1754,7 +1764,7 @@
           <a:p>
             <a:fld id="{6CAADD95-A7FA-43AD-ABC2-F7D4038443DF}" type="datetimeFigureOut">
               <a:rPr lang="en-US" smtClean="0"/>
-              <a:t>4/2/2019</a:t>
+              <a:t>4/22/2019</a:t>
             </a:fld>
             <a:endParaRPr lang="en-US"/>
           </a:p>
@@ -1849,7 +1859,7 @@
           <a:p>
             <a:fld id="{6CAADD95-A7FA-43AD-ABC2-F7D4038443DF}" type="datetimeFigureOut">
               <a:rPr lang="en-US" smtClean="0"/>
-              <a:t>4/2/2019</a:t>
+              <a:t>4/22/2019</a:t>
             </a:fld>
             <a:endParaRPr lang="en-US"/>
           </a:p>
@@ -2126,7 +2136,7 @@
           <a:p>
             <a:fld id="{6CAADD95-A7FA-43AD-ABC2-F7D4038443DF}" type="datetimeFigureOut">
               <a:rPr lang="en-US" smtClean="0"/>
-              <a:t>4/2/2019</a:t>
+              <a:t>4/22/2019</a:t>
             </a:fld>
             <a:endParaRPr lang="en-US"/>
           </a:p>
@@ -2379,7 +2389,7 @@
           <a:p>
             <a:fld id="{6CAADD95-A7FA-43AD-ABC2-F7D4038443DF}" type="datetimeFigureOut">
               <a:rPr lang="en-US" smtClean="0"/>
-              <a:t>4/2/2019</a:t>
+              <a:t>4/22/2019</a:t>
             </a:fld>
             <a:endParaRPr lang="en-US"/>
           </a:p>
@@ -2592,7 +2602,7 @@
           <a:p>
             <a:fld id="{6CAADD95-A7FA-43AD-ABC2-F7D4038443DF}" type="datetimeFigureOut">
               <a:rPr lang="en-US" smtClean="0"/>
-              <a:t>4/2/2019</a:t>
+              <a:t>4/22/2019</a:t>
             </a:fld>
             <a:endParaRPr lang="en-US"/>
           </a:p>
@@ -3111,8 +3121,8 @@
         </p:blipFill>
         <p:spPr>
           <a:xfrm>
-            <a:off x="624539" y="1989043"/>
-            <a:ext cx="10900515" cy="3467124"/>
+            <a:off x="2293469" y="1641451"/>
+            <a:ext cx="7923113" cy="3467124"/>
           </a:xfrm>
           <a:prstGeom prst="rect">
             <a:avLst/>
@@ -3168,77 +3178,22 @@
         </p:nvSpPr>
         <p:spPr/>
         <p:txBody>
-          <a:bodyPr>
-            <a:normAutofit/>
-          </a:bodyPr>
-          <a:lstStyle/>
-          <a:p>
-            <a:r>
-              <a:rPr lang="en-US" sz="1800" dirty="0" err="1" smtClean="0">
-                <a:latin typeface="Arial" panose="020B0604020202020204" pitchFamily="34" charset="0"/>
-                <a:cs typeface="Arial" panose="020B0604020202020204" pitchFamily="34" charset="0"/>
-              </a:rPr>
-              <a:t>Gyantt</a:t>
-            </a:r>
-            <a:r>
-              <a:rPr lang="en-US" sz="1800" dirty="0" smtClean="0">
-                <a:latin typeface="Arial" panose="020B0604020202020204" pitchFamily="34" charset="0"/>
-                <a:cs typeface="Arial" panose="020B0604020202020204" pitchFamily="34" charset="0"/>
-              </a:rPr>
-              <a:t> Chart: Helps in completing the project in time which is like planning with the allocation of time.</a:t>
-            </a:r>
-            <a:endParaRPr lang="en-US" sz="1800" dirty="0">
-              <a:latin typeface="Arial" panose="020B0604020202020204" pitchFamily="34" charset="0"/>
-              <a:cs typeface="Arial" panose="020B0604020202020204" pitchFamily="34" charset="0"/>
-            </a:endParaRPr>
-          </a:p>
-        </p:txBody>
-      </p:sp>
-      <p:sp>
-        <p:nvSpPr>
-          <p:cNvPr id="3" name="Content Placeholder 2"/>
-          <p:cNvSpPr>
-            <a:spLocks noGrp="1"/>
-          </p:cNvSpPr>
-          <p:nvPr>
-            <p:ph idx="1"/>
-          </p:nvPr>
-        </p:nvSpPr>
-        <p:spPr/>
-        <p:txBody>
-          <a:bodyPr/>
-          <a:lstStyle/>
-          <a:p>
-            <a:pPr marL="0" indent="0">
-              <a:buNone/>
-            </a:pPr>
-            <a:r>
-              <a:rPr lang="en-US" sz="2400" dirty="0" err="1" smtClean="0">
-                <a:latin typeface="Arial" panose="020B0604020202020204" pitchFamily="34" charset="0"/>
-                <a:cs typeface="Arial" panose="020B0604020202020204" pitchFamily="34" charset="0"/>
-              </a:rPr>
-              <a:t>Gyantt</a:t>
-            </a:r>
-            <a:r>
-              <a:rPr lang="en-US" sz="2400" dirty="0" smtClean="0">
-                <a:latin typeface="Arial" panose="020B0604020202020204" pitchFamily="34" charset="0"/>
-                <a:cs typeface="Arial" panose="020B0604020202020204" pitchFamily="34" charset="0"/>
-              </a:rPr>
-              <a:t> chart</a:t>
-            </a:r>
-          </a:p>
-          <a:p>
-            <a:endParaRPr lang="en-US" dirty="0"/>
+          <a:bodyPr/>
+          <a:lstStyle/>
+          <a:p>
+            <a:endParaRPr lang="en-US"/>
           </a:p>
         </p:txBody>
       </p:sp>
       <p:pic>
         <p:nvPicPr>
-          <p:cNvPr id="1026" name="Picture 10"/>
+          <p:cNvPr id="4" name="Content Placeholder 3"/>
           <p:cNvPicPr>
-            <a:picLocks noChangeAspect="1" noChangeArrowheads="1"/>
+            <a:picLocks noGrp="1"/>
           </p:cNvPicPr>
-          <p:nvPr/>
+          <p:nvPr>
+            <p:ph idx="1"/>
+          </p:nvPr>
         </p:nvPicPr>
         <p:blipFill>
           <a:blip r:embed="rId2">
@@ -3248,271 +3203,30 @@
               </a:ext>
             </a:extLst>
           </a:blip>
-          <a:srcRect/>
           <a:stretch>
             <a:fillRect/>
           </a:stretch>
         </p:blipFill>
-        <p:spPr bwMode="auto">
+        <p:spPr>
           <a:xfrm>
-            <a:off x="1224502" y="2377440"/>
-            <a:ext cx="9406392" cy="3434963"/>
+            <a:off x="3060926" y="1825625"/>
+            <a:ext cx="6070147" cy="4351338"/>
           </a:xfrm>
           <a:prstGeom prst="rect">
             <a:avLst/>
           </a:prstGeom>
-          <a:noFill/>
-          <a:extLst>
-            <a:ext uri="{909E8E84-426E-40DD-AFC4-6F175D3DCCD1}">
-              <a14:hiddenFill xmlns:a14="http://schemas.microsoft.com/office/drawing/2010/main">
-                <a:solidFill>
-                  <a:srgbClr val="FFFFFF"/>
-                </a:solidFill>
-              </a14:hiddenFill>
-            </a:ext>
-          </a:extLst>
         </p:spPr>
       </p:pic>
-      <p:sp>
-        <p:nvSpPr>
-          <p:cNvPr id="5" name="Rectangle 4"/>
-          <p:cNvSpPr>
-            <a:spLocks noChangeArrowheads="1"/>
-          </p:cNvSpPr>
-          <p:nvPr/>
-        </p:nvSpPr>
-        <p:spPr bwMode="auto">
-          <a:xfrm>
-            <a:off x="0" y="4054475"/>
-            <a:ext cx="12192000" cy="457200"/>
-          </a:xfrm>
-          <a:prstGeom prst="rect">
-            <a:avLst/>
-          </a:prstGeom>
-          <a:noFill/>
-          <a:ln>
-            <a:noFill/>
-          </a:ln>
-          <a:effectLst/>
-          <a:extLst>
-            <a:ext uri="{909E8E84-426E-40DD-AFC4-6F175D3DCCD1}">
-              <a14:hiddenFill xmlns:a14="http://schemas.microsoft.com/office/drawing/2010/main">
-                <a:solidFill>
-                  <a:schemeClr val="accent1"/>
-                </a:solidFill>
-              </a14:hiddenFill>
-            </a:ext>
-            <a:ext uri="{91240B29-F687-4F45-9708-019B960494DF}">
-              <a14:hiddenLine xmlns:a14="http://schemas.microsoft.com/office/drawing/2010/main" w="9525">
-                <a:solidFill>
-                  <a:schemeClr val="tx1"/>
-                </a:solidFill>
-                <a:miter lim="800000"/>
-                <a:headEnd/>
-                <a:tailEnd/>
-              </a14:hiddenLine>
-            </a:ext>
-            <a:ext uri="{AF507438-7753-43E0-B8FC-AC1667EBCBE1}">
-              <a14:hiddenEffects xmlns:a14="http://schemas.microsoft.com/office/drawing/2010/main">
-                <a:effectLst>
-                  <a:outerShdw dist="35921" dir="2700000" algn="ctr" rotWithShape="0">
-                    <a:schemeClr val="bg2"/>
-                  </a:outerShdw>
-                </a:effectLst>
-              </a14:hiddenEffects>
-            </a:ext>
-          </a:extLst>
-        </p:spPr>
-        <p:txBody>
-          <a:bodyPr vert="horz" wrap="none" lIns="91440" tIns="45720" rIns="91440" bIns="45720" numCol="1" anchor="ctr" anchorCtr="0" compatLnSpc="1">
-            <a:prstTxWarp prst="textNoShape">
-              <a:avLst/>
-            </a:prstTxWarp>
-            <a:spAutoFit/>
-          </a:bodyPr>
-          <a:lstStyle/>
-          <a:p>
-            <a:endParaRPr lang="en-US"/>
-          </a:p>
-        </p:txBody>
-      </p:sp>
-      <p:sp>
-        <p:nvSpPr>
-          <p:cNvPr id="6" name="Rectangle 5"/>
-          <p:cNvSpPr>
-            <a:spLocks noChangeArrowheads="1"/>
-          </p:cNvSpPr>
-          <p:nvPr/>
-        </p:nvSpPr>
-        <p:spPr bwMode="auto">
-          <a:xfrm>
-            <a:off x="0" y="8253413"/>
-            <a:ext cx="12192000" cy="457200"/>
-          </a:xfrm>
-          <a:prstGeom prst="rect">
-            <a:avLst/>
-          </a:prstGeom>
-          <a:noFill/>
-          <a:ln>
-            <a:noFill/>
-          </a:ln>
-          <a:effectLst/>
-          <a:extLst>
-            <a:ext uri="{909E8E84-426E-40DD-AFC4-6F175D3DCCD1}">
-              <a14:hiddenFill xmlns:a14="http://schemas.microsoft.com/office/drawing/2010/main">
-                <a:solidFill>
-                  <a:schemeClr val="accent1"/>
-                </a:solidFill>
-              </a14:hiddenFill>
-            </a:ext>
-            <a:ext uri="{91240B29-F687-4F45-9708-019B960494DF}">
-              <a14:hiddenLine xmlns:a14="http://schemas.microsoft.com/office/drawing/2010/main" w="9525">
-                <a:solidFill>
-                  <a:schemeClr val="tx1"/>
-                </a:solidFill>
-                <a:miter lim="800000"/>
-                <a:headEnd/>
-                <a:tailEnd/>
-              </a14:hiddenLine>
-            </a:ext>
-            <a:ext uri="{AF507438-7753-43E0-B8FC-AC1667EBCBE1}">
-              <a14:hiddenEffects xmlns:a14="http://schemas.microsoft.com/office/drawing/2010/main">
-                <a:effectLst>
-                  <a:outerShdw dist="35921" dir="2700000" algn="ctr" rotWithShape="0">
-                    <a:schemeClr val="bg2"/>
-                  </a:outerShdw>
-                </a:effectLst>
-              </a14:hiddenEffects>
-            </a:ext>
-          </a:extLst>
-        </p:spPr>
-        <p:txBody>
-          <a:bodyPr vert="horz" wrap="none" lIns="91440" tIns="45720" rIns="91440" bIns="45720" numCol="1" anchor="ctr" anchorCtr="0" compatLnSpc="1">
-            <a:prstTxWarp prst="textNoShape">
-              <a:avLst/>
-            </a:prstTxWarp>
-            <a:spAutoFit/>
-          </a:bodyPr>
-          <a:lstStyle/>
-          <a:p>
-            <a:pPr marL="0" marR="0" lvl="0" indent="0" algn="l" defTabSz="914400" rtl="0" eaLnBrk="0" fontAlgn="base" latinLnBrk="0" hangingPunct="0">
-              <a:lnSpc>
-                <a:spcPct val="100000"/>
-              </a:lnSpc>
-              <a:spcBef>
-                <a:spcPct val="0"/>
-              </a:spcBef>
-              <a:spcAft>
-                <a:spcPct val="0"/>
-              </a:spcAft>
-              <a:buClrTx/>
-              <a:buSzTx/>
-              <a:buFontTx/>
-              <a:buNone/>
-              <a:tabLst/>
-            </a:pPr>
-            <a:r>
-              <a:rPr kumimoji="0" lang="en-US" sz="900" b="0" i="1" u="none" strike="noStrike" cap="none" normalizeH="0" baseline="0" dirty="0" smtClean="0">
-                <a:ln>
-                  <a:noFill/>
-                </a:ln>
-                <a:solidFill>
-                  <a:srgbClr val="44546A"/>
-                </a:solidFill>
-                <a:effectLst/>
-                <a:latin typeface="Calibri" panose="020F0502020204030204" pitchFamily="34" charset="0"/>
-                <a:ea typeface="Calibri" panose="020F0502020204030204" pitchFamily="34" charset="0"/>
-                <a:cs typeface="Times New Roman" panose="02020603050405020304" pitchFamily="18" charset="0"/>
-              </a:rPr>
-              <a:t>F</a:t>
-            </a:r>
-            <a:r>
-              <a:rPr kumimoji="0" lang="en-US" sz="900" b="0" i="1" u="none" strike="noStrike" cap="none" normalizeH="0" baseline="0" dirty="0" smtClean="0" bmk="">
-                <a:ln>
-                  <a:noFill/>
-                </a:ln>
-                <a:solidFill>
-                  <a:srgbClr val="44546A"/>
-                </a:solidFill>
-                <a:effectLst/>
-                <a:latin typeface="Calibri" panose="020F0502020204030204" pitchFamily="34" charset="0"/>
-                <a:ea typeface="Calibri" panose="020F0502020204030204" pitchFamily="34" charset="0"/>
-                <a:cs typeface="Times New Roman" panose="02020603050405020304" pitchFamily="18" charset="0"/>
-              </a:rPr>
-              <a:t>igure </a:t>
-            </a:r>
-            <a:r>
-              <a:rPr kumimoji="0" lang="en-US" sz="900" b="0" i="1" u="none" strike="noStrike" cap="none" normalizeH="0" baseline="0" dirty="0" smtClean="0" bmk="_Toc534544109">
-                <a:ln>
-                  <a:noFill/>
-                </a:ln>
-                <a:solidFill>
-                  <a:srgbClr val="44546A"/>
-                </a:solidFill>
-                <a:effectLst/>
-                <a:latin typeface="Calibri" panose="020F0502020204030204" pitchFamily="34" charset="0"/>
-                <a:ea typeface="Calibri" panose="020F0502020204030204" pitchFamily="34" charset="0"/>
-                <a:cs typeface="Times New Roman" panose="02020603050405020304" pitchFamily="18" charset="0"/>
-              </a:rPr>
-              <a:t>5: Gantt chart</a:t>
-            </a:r>
-            <a:endParaRPr kumimoji="0" lang="en-US" sz="800" b="0" i="0" u="none" strike="noStrike" cap="none" normalizeH="0" baseline="0" dirty="0" smtClean="0">
-              <a:ln>
-                <a:noFill/>
-              </a:ln>
-              <a:solidFill>
-                <a:schemeClr val="tx1"/>
-              </a:solidFill>
-              <a:effectLst/>
-            </a:endParaRPr>
-          </a:p>
-          <a:p>
-            <a:pPr marL="0" marR="0" lvl="0" indent="0" algn="l" defTabSz="914400" rtl="0" eaLnBrk="0" fontAlgn="base" latinLnBrk="0" hangingPunct="0">
-              <a:lnSpc>
-                <a:spcPct val="100000"/>
-              </a:lnSpc>
-              <a:spcBef>
-                <a:spcPct val="0"/>
-              </a:spcBef>
-              <a:spcAft>
-                <a:spcPct val="0"/>
-              </a:spcAft>
-              <a:buClrTx/>
-              <a:buSzTx/>
-              <a:buFontTx/>
-              <a:buNone/>
-              <a:tabLst/>
-            </a:pPr>
-            <a:endParaRPr kumimoji="0" lang="en-US" sz="1800" b="0" i="0" u="none" strike="noStrike" cap="none" normalizeH="0" baseline="0" dirty="0" smtClean="0">
-              <a:ln>
-                <a:noFill/>
-              </a:ln>
-              <a:solidFill>
-                <a:schemeClr val="tx1"/>
-              </a:solidFill>
-              <a:effectLst/>
-              <a:latin typeface="Arial" panose="020B0604020202020204" pitchFamily="34" charset="0"/>
-            </a:endParaRPr>
-          </a:p>
-        </p:txBody>
-      </p:sp>
     </p:spTree>
     <p:extLst>
       <p:ext uri="{BB962C8B-B14F-4D97-AF65-F5344CB8AC3E}">
-        <p14:creationId xmlns:p14="http://schemas.microsoft.com/office/powerpoint/2010/main" val="393152385"/>
+        <p14:creationId xmlns:p14="http://schemas.microsoft.com/office/powerpoint/2010/main" val="1323191968"/>
       </p:ext>
     </p:extLst>
   </p:cSld>
   <p:clrMapOvr>
     <a:masterClrMapping/>
   </p:clrMapOvr>
-  <p:timing>
-    <p:tnLst>
-      <p:par>
-        <p:cTn id="1" dur="indefinite" restart="never" nodeType="tmRoot"/>
-      </p:par>
-    </p:tnLst>
-  </p:timing>
 </p:sld>
 </file>
 
@@ -3548,71 +3262,38 @@
           <a:bodyPr/>
           <a:lstStyle/>
           <a:p>
-            <a:endParaRPr lang="en-US"/>
-          </a:p>
-        </p:txBody>
-      </p:sp>
-      <p:sp>
-        <p:nvSpPr>
-          <p:cNvPr id="3" name="Content Placeholder 2"/>
-          <p:cNvSpPr>
-            <a:spLocks noGrp="1"/>
-          </p:cNvSpPr>
-          <p:nvPr>
-            <p:ph idx="1"/>
-          </p:nvPr>
-        </p:nvSpPr>
-        <p:spPr/>
-        <p:txBody>
-          <a:bodyPr/>
-          <a:lstStyle/>
-          <a:p>
-            <a:pPr marL="0" indent="0">
-              <a:buNone/>
-            </a:pPr>
+            <a:r>
+              <a:rPr lang="en-US" dirty="0" smtClean="0"/>
+              <a:t>Gantt Chart</a:t>
+            </a:r>
             <a:endParaRPr lang="en-US" dirty="0"/>
           </a:p>
         </p:txBody>
       </p:sp>
       <p:pic>
         <p:nvPicPr>
-          <p:cNvPr id="4" name="Picture 9"/>
+          <p:cNvPr id="5" name="Content Placeholder 4"/>
           <p:cNvPicPr>
-            <a:picLocks noChangeAspect="1" noChangeArrowheads="1"/>
+            <a:picLocks noGrp="1"/>
           </p:cNvPicPr>
-          <p:nvPr/>
+          <p:nvPr>
+            <p:ph idx="1"/>
+          </p:nvPr>
         </p:nvPicPr>
         <p:blipFill>
-          <a:blip r:embed="rId2">
-            <a:extLst>
-              <a:ext uri="{28A0092B-C50C-407E-A947-70E740481C1C}">
-                <a14:useLocalDpi xmlns:a14="http://schemas.microsoft.com/office/drawing/2010/main" val="0"/>
-              </a:ext>
-            </a:extLst>
-          </a:blip>
-          <a:srcRect/>
+          <a:blip r:embed="rId2"/>
           <a:stretch>
             <a:fillRect/>
           </a:stretch>
         </p:blipFill>
-        <p:spPr bwMode="auto">
+        <p:spPr>
           <a:xfrm>
-            <a:off x="1001865" y="2843978"/>
-            <a:ext cx="8833898" cy="2618568"/>
+            <a:off x="2539148" y="1825625"/>
+            <a:ext cx="7113704" cy="4351338"/>
           </a:xfrm>
           <a:prstGeom prst="rect">
             <a:avLst/>
           </a:prstGeom>
-          <a:noFill/>
-          <a:extLst>
-            <a:ext uri="{909E8E84-426E-40DD-AFC4-6F175D3DCCD1}">
-              <a14:hiddenFill xmlns:a14="http://schemas.microsoft.com/office/drawing/2010/main">
-                <a:solidFill>
-                  <a:srgbClr val="FFFFFF"/>
-                </a:solidFill>
-              </a14:hiddenFill>
-            </a:ext>
-          </a:extLst>
         </p:spPr>
       </p:pic>
     </p:spTree>
@@ -4684,17 +4365,33 @@
                 <a:latin typeface="Arial" panose="020B0604020202020204" pitchFamily="34" charset="0"/>
                 <a:cs typeface="Arial" panose="020B0604020202020204" pitchFamily="34" charset="0"/>
               </a:rPr>
-              <a:t>Laravel.</a:t>
-            </a:r>
-          </a:p>
-          <a:p>
+              <a:t>Laravel </a:t>
+            </a:r>
             <a:r>
               <a:rPr lang="en-US" sz="2000" dirty="0" smtClean="0">
                 <a:latin typeface="Arial" panose="020B0604020202020204" pitchFamily="34" charset="0"/>
                 <a:cs typeface="Arial" panose="020B0604020202020204" pitchFamily="34" charset="0"/>
               </a:rPr>
-              <a:t>Backend Laravel</a:t>
-            </a:r>
+              <a:t>and </a:t>
+            </a:r>
+            <a:r>
+              <a:rPr lang="en-US" sz="2000" b="1" dirty="0" err="1" smtClean="0">
+                <a:latin typeface="Arial" panose="020B0604020202020204" pitchFamily="34" charset="0"/>
+                <a:cs typeface="Arial" panose="020B0604020202020204" pitchFamily="34" charset="0"/>
+              </a:rPr>
+              <a:t>Sympony</a:t>
+            </a:r>
+            <a:r>
+              <a:rPr lang="en-US" sz="2000" b="1" dirty="0" smtClean="0">
+                <a:latin typeface="Arial" panose="020B0604020202020204" pitchFamily="34" charset="0"/>
+                <a:cs typeface="Arial" panose="020B0604020202020204" pitchFamily="34" charset="0"/>
+              </a:rPr>
+              <a:t>.</a:t>
+            </a:r>
+            <a:endParaRPr lang="en-US" sz="2000" b="1" dirty="0" smtClean="0">
+              <a:latin typeface="Arial" panose="020B0604020202020204" pitchFamily="34" charset="0"/>
+              <a:cs typeface="Arial" panose="020B0604020202020204" pitchFamily="34" charset="0"/>
+            </a:endParaRPr>
           </a:p>
           <a:p>
             <a:r>
@@ -4702,16 +4399,96 @@
                 <a:latin typeface="Arial" panose="020B0604020202020204" pitchFamily="34" charset="0"/>
                 <a:cs typeface="Arial" panose="020B0604020202020204" pitchFamily="34" charset="0"/>
               </a:rPr>
-              <a:t>Frontend built with the bootstrap with its framework like html, css.</a:t>
-            </a:r>
-          </a:p>
-          <a:p>
+              <a:t>Backend </a:t>
+            </a:r>
             <a:r>
               <a:rPr lang="en-US" sz="2000" dirty="0" smtClean="0">
                 <a:latin typeface="Arial" panose="020B0604020202020204" pitchFamily="34" charset="0"/>
                 <a:cs typeface="Arial" panose="020B0604020202020204" pitchFamily="34" charset="0"/>
               </a:rPr>
-              <a:t>Database is separately done with use of mysqli to store the details of school</a:t>
+              <a:t>design with Laravel and </a:t>
+            </a:r>
+            <a:r>
+              <a:rPr lang="en-US" sz="2000" dirty="0" err="1" smtClean="0">
+                <a:latin typeface="Arial" panose="020B0604020202020204" pitchFamily="34" charset="0"/>
+                <a:cs typeface="Arial" panose="020B0604020202020204" pitchFamily="34" charset="0"/>
+              </a:rPr>
+              <a:t>Sympony</a:t>
+            </a:r>
+            <a:endParaRPr lang="en-US" sz="2000" dirty="0" smtClean="0">
+              <a:latin typeface="Arial" panose="020B0604020202020204" pitchFamily="34" charset="0"/>
+              <a:cs typeface="Arial" panose="020B0604020202020204" pitchFamily="34" charset="0"/>
+            </a:endParaRPr>
+          </a:p>
+          <a:p>
+            <a:r>
+              <a:rPr lang="en-US" sz="2000" dirty="0" smtClean="0">
+                <a:latin typeface="Arial" panose="020B0604020202020204" pitchFamily="34" charset="0"/>
+                <a:cs typeface="Arial" panose="020B0604020202020204" pitchFamily="34" charset="0"/>
+              </a:rPr>
+              <a:t>Frontend built with the bootstrap with its framework like html, </a:t>
+            </a:r>
+            <a:r>
+              <a:rPr lang="en-US" sz="2000" dirty="0" smtClean="0">
+                <a:latin typeface="Arial" panose="020B0604020202020204" pitchFamily="34" charset="0"/>
+                <a:cs typeface="Arial" panose="020B0604020202020204" pitchFamily="34" charset="0"/>
+              </a:rPr>
+              <a:t>css, </a:t>
+            </a:r>
+            <a:r>
+              <a:rPr lang="en-US" sz="2000" dirty="0" err="1" smtClean="0">
+                <a:latin typeface="Arial" panose="020B0604020202020204" pitchFamily="34" charset="0"/>
+                <a:cs typeface="Arial" panose="020B0604020202020204" pitchFamily="34" charset="0"/>
+              </a:rPr>
+              <a:t>javascript</a:t>
+            </a:r>
+            <a:endParaRPr lang="en-US" sz="2000" dirty="0" smtClean="0">
+              <a:latin typeface="Arial" panose="020B0604020202020204" pitchFamily="34" charset="0"/>
+              <a:cs typeface="Arial" panose="020B0604020202020204" pitchFamily="34" charset="0"/>
+            </a:endParaRPr>
+          </a:p>
+          <a:p>
+            <a:r>
+              <a:rPr lang="en-US" sz="2000" dirty="0" smtClean="0">
+                <a:latin typeface="Arial" panose="020B0604020202020204" pitchFamily="34" charset="0"/>
+                <a:cs typeface="Arial" panose="020B0604020202020204" pitchFamily="34" charset="0"/>
+              </a:rPr>
+              <a:t>Database is </a:t>
+            </a:r>
+            <a:r>
+              <a:rPr lang="en-US" sz="2000" dirty="0" smtClean="0">
+                <a:latin typeface="Arial" panose="020B0604020202020204" pitchFamily="34" charset="0"/>
+                <a:cs typeface="Arial" panose="020B0604020202020204" pitchFamily="34" charset="0"/>
+              </a:rPr>
+              <a:t> </a:t>
+            </a:r>
+            <a:r>
+              <a:rPr lang="en-US" sz="2000" dirty="0" smtClean="0">
+                <a:latin typeface="Arial" panose="020B0604020202020204" pitchFamily="34" charset="0"/>
+                <a:cs typeface="Arial" panose="020B0604020202020204" pitchFamily="34" charset="0"/>
+              </a:rPr>
+              <a:t>done with use of </a:t>
+            </a:r>
+            <a:r>
+              <a:rPr lang="en-US" sz="2000" dirty="0" err="1" smtClean="0">
+                <a:latin typeface="Arial" panose="020B0604020202020204" pitchFamily="34" charset="0"/>
+                <a:cs typeface="Arial" panose="020B0604020202020204" pitchFamily="34" charset="0"/>
+              </a:rPr>
+              <a:t>mysql</a:t>
+            </a:r>
+            <a:r>
+              <a:rPr lang="en-US" sz="2000" dirty="0" smtClean="0">
+                <a:latin typeface="Arial" panose="020B0604020202020204" pitchFamily="34" charset="0"/>
+                <a:cs typeface="Arial" panose="020B0604020202020204" pitchFamily="34" charset="0"/>
+              </a:rPr>
+              <a:t> </a:t>
+            </a:r>
+            <a:r>
+              <a:rPr lang="en-US" sz="2000" dirty="0" smtClean="0">
+                <a:latin typeface="Arial" panose="020B0604020202020204" pitchFamily="34" charset="0"/>
+                <a:cs typeface="Arial" panose="020B0604020202020204" pitchFamily="34" charset="0"/>
+              </a:rPr>
+              <a:t>to store the details of school</a:t>
             </a:r>
           </a:p>
           <a:p>
@@ -5280,7 +5057,7 @@
           <a:p>
             <a:r>
               <a:rPr lang="en-US" dirty="0" smtClean="0"/>
-              <a:t>Limitations</a:t>
+              <a:t>User manual</a:t>
             </a:r>
             <a:endParaRPr lang="en-US" dirty="0"/>
           </a:p>
@@ -5298,66 +5075,126 @@
         </p:nvSpPr>
         <p:spPr/>
         <p:txBody>
-          <a:bodyPr/>
-          <a:lstStyle/>
+          <a:bodyPr>
+            <a:normAutofit fontScale="62500" lnSpcReduction="20000"/>
+          </a:bodyPr>
+          <a:lstStyle/>
+          <a:p>
+            <a:pPr marL="0" indent="0">
+              <a:buNone/>
+            </a:pPr>
+            <a:r>
+              <a:rPr lang="en-US" dirty="0"/>
+              <a:t>User's main feature</a:t>
+            </a:r>
+          </a:p>
           <a:p>
             <a:pPr lvl="0"/>
-            <a:endParaRPr lang="en-US" dirty="0" smtClean="0"/>
+            <a:r>
+              <a:rPr lang="en-US" dirty="0"/>
+              <a:t>All user can get registered and login in the page with the approval of the admin</a:t>
+            </a:r>
           </a:p>
           <a:p>
             <a:pPr lvl="0"/>
+            <a:r>
+              <a:rPr lang="en-US" dirty="0"/>
+              <a:t>User can view and send messages</a:t>
+            </a:r>
+          </a:p>
+          <a:p>
+            <a:pPr lvl="0"/>
+            <a:r>
+              <a:rPr lang="en-US" dirty="0"/>
+              <a:t>User are notified about the events and holidays of he school</a:t>
+            </a:r>
+          </a:p>
+          <a:p>
+            <a:pPr lvl="0"/>
+            <a:r>
+              <a:rPr lang="en-US" dirty="0"/>
+              <a:t>User can view the calendar and see the scheduling of the </a:t>
+            </a:r>
+            <a:r>
+              <a:rPr lang="en-US" dirty="0" smtClean="0"/>
+              <a:t>routine</a:t>
+            </a:r>
+          </a:p>
+          <a:p>
+            <a:pPr marL="0" indent="0">
+              <a:buNone/>
+            </a:pPr>
+            <a:r>
+              <a:rPr lang="en-US" dirty="0" smtClean="0"/>
+              <a:t>Admin Main feature</a:t>
+            </a:r>
+          </a:p>
+          <a:p>
+            <a:pPr lvl="0"/>
+            <a:r>
+              <a:rPr lang="en-US" dirty="0" smtClean="0"/>
+              <a:t>Admin </a:t>
+            </a:r>
+            <a:r>
+              <a:rPr lang="en-US" dirty="0"/>
+              <a:t>can register the students, teacher and parent</a:t>
+            </a:r>
+          </a:p>
+          <a:p>
+            <a:pPr lvl="0"/>
+            <a:r>
+              <a:rPr lang="en-US" dirty="0"/>
+              <a:t>Admin can update and delete the information of students, teachers</a:t>
+            </a:r>
+          </a:p>
+          <a:p>
+            <a:pPr lvl="0"/>
+            <a:r>
+              <a:rPr lang="en-US" dirty="0"/>
+              <a:t>Admin can assign the subject to the teacher for each class</a:t>
+            </a:r>
+          </a:p>
+          <a:p>
+            <a:pPr lvl="0"/>
+            <a:r>
+              <a:rPr lang="en-US" dirty="0"/>
+              <a:t>Admin can notify the events and holidays of the school</a:t>
+            </a:r>
+          </a:p>
+          <a:p>
+            <a:pPr marL="0" indent="0">
+              <a:buNone/>
+            </a:pPr>
+            <a:r>
+              <a:rPr lang="en-US" dirty="0"/>
+              <a:t>Teacher's main feature</a:t>
+            </a:r>
+          </a:p>
+          <a:p>
+            <a:pPr lvl="0"/>
+            <a:r>
+              <a:rPr lang="en-US" dirty="0"/>
+              <a:t>Teacher can give assignment to the students</a:t>
+            </a:r>
+          </a:p>
+          <a:p>
+            <a:pPr lvl="0"/>
+            <a:r>
+              <a:rPr lang="en-US" dirty="0"/>
+              <a:t>Teacher can take the attendance of the </a:t>
+            </a:r>
+            <a:r>
+              <a:rPr lang="en-US" dirty="0" smtClean="0"/>
+              <a:t>students</a:t>
+            </a:r>
             <a:endParaRPr lang="en-US" dirty="0"/>
-          </a:p>
-          <a:p>
-            <a:pPr lvl="0">
-              <a:buFont typeface="Wingdings" panose="05000000000000000000" pitchFamily="2" charset="2"/>
-              <a:buChar char="Ø"/>
-            </a:pPr>
-            <a:r>
-              <a:rPr lang="en-US" dirty="0" smtClean="0"/>
-              <a:t>If </a:t>
-            </a:r>
-            <a:r>
-              <a:rPr lang="en-US" dirty="0"/>
-              <a:t>the system crashes this application will be corrupted.</a:t>
-            </a:r>
-          </a:p>
-          <a:p>
-            <a:pPr lvl="0">
-              <a:buFont typeface="Wingdings" panose="05000000000000000000" pitchFamily="2" charset="2"/>
-              <a:buChar char="Ø"/>
-            </a:pPr>
-            <a:r>
-              <a:rPr lang="en-US" dirty="0"/>
-              <a:t>Backend can be accessed for the storage but there is limit in storage.</a:t>
-            </a:r>
-          </a:p>
-          <a:p>
-            <a:pPr lvl="0">
-              <a:buFont typeface="Wingdings" panose="05000000000000000000" pitchFamily="2" charset="2"/>
-              <a:buChar char="Ø"/>
-            </a:pPr>
-            <a:r>
-              <a:rPr lang="en-US" dirty="0"/>
-              <a:t>It is not online software.</a:t>
-            </a:r>
-          </a:p>
-          <a:p>
-            <a:pPr>
-              <a:buFont typeface="Wingdings" panose="05000000000000000000" pitchFamily="2" charset="2"/>
-              <a:buChar char="Ø"/>
-            </a:pPr>
-            <a:r>
-              <a:rPr lang="en-US" dirty="0"/>
-              <a:t>This application can be used only by school management</a:t>
-            </a:r>
           </a:p>
         </p:txBody>
       </p:sp>
     </p:spTree>
     <p:extLst>
       <p:ext uri="{BB962C8B-B14F-4D97-AF65-F5344CB8AC3E}">
-        <p14:creationId xmlns:p14="http://schemas.microsoft.com/office/powerpoint/2010/main" val="3095239326"/>
+        <p14:creationId xmlns:p14="http://schemas.microsoft.com/office/powerpoint/2010/main" val="667016745"/>
       </p:ext>
     </p:extLst>
   </p:cSld>
@@ -5426,10 +5263,66 @@
         </p:nvSpPr>
         <p:spPr/>
         <p:txBody>
-          <a:bodyPr/>
-          <a:lstStyle/>
-          <a:p>
-            <a:endParaRPr lang="en-US"/>
+          <a:bodyPr>
+            <a:normAutofit/>
+          </a:bodyPr>
+          <a:lstStyle/>
+          <a:p>
+            <a:pPr lvl="0"/>
+            <a:r>
+              <a:rPr lang="en-US" dirty="0" smtClean="0"/>
+              <a:t>Teacher </a:t>
+            </a:r>
+            <a:r>
+              <a:rPr lang="en-US" dirty="0"/>
+              <a:t>can give exams and check the papers and prepare the results of the student</a:t>
+            </a:r>
+          </a:p>
+          <a:p>
+            <a:pPr marL="0" indent="0">
+              <a:buNone/>
+            </a:pPr>
+            <a:r>
+              <a:rPr lang="en-US" dirty="0"/>
+              <a:t>Student's main feature</a:t>
+            </a:r>
+          </a:p>
+          <a:p>
+            <a:pPr lvl="0"/>
+            <a:r>
+              <a:rPr lang="en-US" dirty="0"/>
+              <a:t>Students can view their attendance</a:t>
+            </a:r>
+          </a:p>
+          <a:p>
+            <a:pPr lvl="0"/>
+            <a:r>
+              <a:rPr lang="en-US" dirty="0"/>
+              <a:t>Students can view their homework assigned by the teacher</a:t>
+            </a:r>
+          </a:p>
+          <a:p>
+            <a:pPr lvl="0"/>
+            <a:r>
+              <a:rPr lang="en-US" dirty="0"/>
+              <a:t>Students can see their results </a:t>
+            </a:r>
+          </a:p>
+          <a:p>
+            <a:pPr marL="0" indent="0">
+              <a:buNone/>
+            </a:pPr>
+            <a:r>
+              <a:rPr lang="en-US" dirty="0" smtClean="0"/>
+              <a:t>For </a:t>
+            </a:r>
+            <a:r>
+              <a:rPr lang="en-US" dirty="0"/>
+              <a:t>the user guidance following steps are to be followed to get access in this system</a:t>
+            </a:r>
+          </a:p>
+          <a:p>
+            <a:endParaRPr lang="en-US" dirty="0"/>
           </a:p>
         </p:txBody>
       </p:sp>
@@ -5485,6 +5378,2817 @@
           <a:bodyPr/>
           <a:lstStyle/>
           <a:p>
+            <a:endParaRPr lang="en-US"/>
+          </a:p>
+        </p:txBody>
+      </p:sp>
+      <p:sp>
+        <p:nvSpPr>
+          <p:cNvPr id="3" name="Content Placeholder 2"/>
+          <p:cNvSpPr>
+            <a:spLocks noGrp="1"/>
+          </p:cNvSpPr>
+          <p:nvPr>
+            <p:ph idx="1"/>
+          </p:nvPr>
+        </p:nvSpPr>
+        <p:spPr/>
+        <p:txBody>
+          <a:bodyPr/>
+          <a:lstStyle/>
+          <a:p>
+            <a:r>
+              <a:rPr lang="en-US" dirty="0"/>
+              <a:t>To get registered to the school, go to the button </a:t>
+            </a:r>
+            <a:r>
+              <a:rPr lang="en-US" b="1" dirty="0"/>
+              <a:t>Register a new membership</a:t>
+            </a:r>
+            <a:r>
+              <a:rPr lang="en-US" dirty="0"/>
+              <a:t> and then click and choose whether you are </a:t>
+            </a:r>
+            <a:r>
+              <a:rPr lang="en-US" b="1" dirty="0"/>
+              <a:t>Teacher, Student</a:t>
+            </a:r>
+            <a:r>
+              <a:rPr lang="en-US" dirty="0"/>
+              <a:t> or </a:t>
+            </a:r>
+            <a:r>
+              <a:rPr lang="en-US" b="1" dirty="0"/>
+              <a:t>Parent</a:t>
+            </a:r>
+            <a:r>
+              <a:rPr lang="en-US" dirty="0"/>
+              <a:t> then fill the all credentials given in the form. Parents need to have their child already registered to sign up the form.</a:t>
+            </a:r>
+          </a:p>
+          <a:p>
+            <a:r>
+              <a:rPr lang="en-US" dirty="0"/>
+              <a:t>Sign-up form for Teacher</a:t>
+            </a:r>
+          </a:p>
+        </p:txBody>
+      </p:sp>
+    </p:spTree>
+    <p:extLst>
+      <p:ext uri="{BB962C8B-B14F-4D97-AF65-F5344CB8AC3E}">
+        <p14:creationId xmlns:p14="http://schemas.microsoft.com/office/powerpoint/2010/main" val="1197359961"/>
+      </p:ext>
+    </p:extLst>
+  </p:cSld>
+  <p:clrMapOvr>
+    <a:masterClrMapping/>
+  </p:clrMapOvr>
+</p:sld>
+</file>
+
+<file path=ppt/slides/slide28.xml><?xml version="1.0" encoding="utf-8"?>
+<p:sld xmlns:a="http://schemas.openxmlformats.org/drawingml/2006/main" xmlns:r="http://schemas.openxmlformats.org/officeDocument/2006/relationships" xmlns:p="http://schemas.openxmlformats.org/presentationml/2006/main">
+  <p:cSld>
+    <p:spTree>
+      <p:nvGrpSpPr>
+        <p:cNvPr id="1" name=""/>
+        <p:cNvGrpSpPr/>
+        <p:nvPr/>
+      </p:nvGrpSpPr>
+      <p:grpSpPr>
+        <a:xfrm>
+          <a:off x="0" y="0"/>
+          <a:ext cx="0" cy="0"/>
+          <a:chOff x="0" y="0"/>
+          <a:chExt cx="0" cy="0"/>
+        </a:xfrm>
+      </p:grpSpPr>
+      <p:sp>
+        <p:nvSpPr>
+          <p:cNvPr id="2" name="Title 1"/>
+          <p:cNvSpPr>
+            <a:spLocks noGrp="1"/>
+          </p:cNvSpPr>
+          <p:nvPr>
+            <p:ph type="title"/>
+          </p:nvPr>
+        </p:nvSpPr>
+        <p:spPr/>
+        <p:txBody>
+          <a:bodyPr/>
+          <a:lstStyle/>
+          <a:p>
+            <a:r>
+              <a:rPr lang="en-US" dirty="0" smtClean="0"/>
+              <a:t>Teacher Register Form</a:t>
+            </a:r>
+            <a:endParaRPr lang="en-US" dirty="0"/>
+          </a:p>
+        </p:txBody>
+      </p:sp>
+      <p:sp>
+        <p:nvSpPr>
+          <p:cNvPr id="3" name="Content Placeholder 2"/>
+          <p:cNvSpPr>
+            <a:spLocks noGrp="1"/>
+          </p:cNvSpPr>
+          <p:nvPr>
+            <p:ph idx="1"/>
+          </p:nvPr>
+        </p:nvSpPr>
+        <p:spPr>
+          <a:xfrm>
+            <a:off x="838200" y="1715617"/>
+            <a:ext cx="18853264" cy="4461346"/>
+          </a:xfrm>
+        </p:spPr>
+        <p:txBody>
+          <a:bodyPr/>
+          <a:lstStyle/>
+          <a:p>
+            <a:endParaRPr lang="en-US" dirty="0"/>
+          </a:p>
+        </p:txBody>
+      </p:sp>
+      <p:sp>
+        <p:nvSpPr>
+          <p:cNvPr id="4" name="Rectangle 2"/>
+          <p:cNvSpPr>
+            <a:spLocks noChangeArrowheads="1"/>
+          </p:cNvSpPr>
+          <p:nvPr/>
+        </p:nvSpPr>
+        <p:spPr bwMode="auto">
+          <a:xfrm>
+            <a:off x="0" y="0"/>
+            <a:ext cx="21858858" cy="457200"/>
+          </a:xfrm>
+          <a:prstGeom prst="rect">
+            <a:avLst/>
+          </a:prstGeom>
+          <a:noFill/>
+          <a:ln>
+            <a:noFill/>
+          </a:ln>
+          <a:effectLst/>
+          <a:extLst>
+            <a:ext uri="{909E8E84-426E-40DD-AFC4-6F175D3DCCD1}">
+              <a14:hiddenFill xmlns:a14="http://schemas.microsoft.com/office/drawing/2010/main">
+                <a:solidFill>
+                  <a:schemeClr val="accent1"/>
+                </a:solidFill>
+              </a14:hiddenFill>
+            </a:ext>
+            <a:ext uri="{91240B29-F687-4F45-9708-019B960494DF}">
+              <a14:hiddenLine xmlns:a14="http://schemas.microsoft.com/office/drawing/2010/main" w="9525">
+                <a:solidFill>
+                  <a:schemeClr val="tx1"/>
+                </a:solidFill>
+                <a:miter lim="800000"/>
+                <a:headEnd/>
+                <a:tailEnd/>
+              </a14:hiddenLine>
+            </a:ext>
+            <a:ext uri="{AF507438-7753-43E0-B8FC-AC1667EBCBE1}">
+              <a14:hiddenEffects xmlns:a14="http://schemas.microsoft.com/office/drawing/2010/main">
+                <a:effectLst>
+                  <a:outerShdw dist="35921" dir="2700000" algn="ctr" rotWithShape="0">
+                    <a:schemeClr val="bg2"/>
+                  </a:outerShdw>
+                </a:effectLst>
+              </a14:hiddenEffects>
+            </a:ext>
+          </a:extLst>
+        </p:spPr>
+        <p:txBody>
+          <a:bodyPr vert="horz" wrap="square" lIns="91440" tIns="45720" rIns="91440" bIns="45720" numCol="1" anchor="ctr" anchorCtr="0" compatLnSpc="1">
+            <a:prstTxWarp prst="textNoShape">
+              <a:avLst/>
+            </a:prstTxWarp>
+            <a:spAutoFit/>
+          </a:bodyPr>
+          <a:lstStyle/>
+          <a:p>
+            <a:endParaRPr lang="en-US"/>
+          </a:p>
+        </p:txBody>
+      </p:sp>
+      <p:pic>
+        <p:nvPicPr>
+          <p:cNvPr id="2049" name="Picture 46"/>
+          <p:cNvPicPr>
+            <a:picLocks noChangeAspect="1" noChangeArrowheads="1"/>
+          </p:cNvPicPr>
+          <p:nvPr/>
+        </p:nvPicPr>
+        <p:blipFill>
+          <a:blip r:embed="rId2">
+            <a:extLst>
+              <a:ext uri="{28A0092B-C50C-407E-A947-70E740481C1C}">
+                <a14:useLocalDpi xmlns:a14="http://schemas.microsoft.com/office/drawing/2010/main" val="0"/>
+              </a:ext>
+            </a:extLst>
+          </a:blip>
+          <a:srcRect/>
+          <a:stretch>
+            <a:fillRect/>
+          </a:stretch>
+        </p:blipFill>
+        <p:spPr bwMode="auto">
+          <a:xfrm>
+            <a:off x="914399" y="1715617"/>
+            <a:ext cx="4786686" cy="3792745"/>
+          </a:xfrm>
+          <a:prstGeom prst="rect">
+            <a:avLst/>
+          </a:prstGeom>
+          <a:noFill/>
+          <a:extLst>
+            <a:ext uri="{909E8E84-426E-40DD-AFC4-6F175D3DCCD1}">
+              <a14:hiddenFill xmlns:a14="http://schemas.microsoft.com/office/drawing/2010/main">
+                <a:solidFill>
+                  <a:srgbClr val="FFFFFF"/>
+                </a:solidFill>
+              </a14:hiddenFill>
+            </a:ext>
+          </a:extLst>
+        </p:spPr>
+      </p:pic>
+      <p:sp>
+        <p:nvSpPr>
+          <p:cNvPr id="5" name="Rectangle 3"/>
+          <p:cNvSpPr>
+            <a:spLocks noChangeArrowheads="1"/>
+          </p:cNvSpPr>
+          <p:nvPr/>
+        </p:nvSpPr>
+        <p:spPr bwMode="auto">
+          <a:xfrm>
+            <a:off x="2127636" y="5775900"/>
+            <a:ext cx="5317436" cy="230832"/>
+          </a:xfrm>
+          <a:prstGeom prst="rect">
+            <a:avLst/>
+          </a:prstGeom>
+          <a:noFill/>
+          <a:ln>
+            <a:noFill/>
+          </a:ln>
+          <a:effectLst/>
+          <a:extLst>
+            <a:ext uri="{909E8E84-426E-40DD-AFC4-6F175D3DCCD1}">
+              <a14:hiddenFill xmlns:a14="http://schemas.microsoft.com/office/drawing/2010/main">
+                <a:solidFill>
+                  <a:schemeClr val="accent1"/>
+                </a:solidFill>
+              </a14:hiddenFill>
+            </a:ext>
+            <a:ext uri="{91240B29-F687-4F45-9708-019B960494DF}">
+              <a14:hiddenLine xmlns:a14="http://schemas.microsoft.com/office/drawing/2010/main" w="9525">
+                <a:solidFill>
+                  <a:schemeClr val="tx1"/>
+                </a:solidFill>
+                <a:miter lim="800000"/>
+                <a:headEnd/>
+                <a:tailEnd/>
+              </a14:hiddenLine>
+            </a:ext>
+            <a:ext uri="{AF507438-7753-43E0-B8FC-AC1667EBCBE1}">
+              <a14:hiddenEffects xmlns:a14="http://schemas.microsoft.com/office/drawing/2010/main">
+                <a:effectLst>
+                  <a:outerShdw dist="35921" dir="2700000" algn="ctr" rotWithShape="0">
+                    <a:schemeClr val="bg2"/>
+                  </a:outerShdw>
+                </a:effectLst>
+              </a14:hiddenEffects>
+            </a:ext>
+          </a:extLst>
+        </p:spPr>
+        <p:txBody>
+          <a:bodyPr vert="horz" wrap="square" lIns="91440" tIns="45720" rIns="91440" bIns="45720" numCol="1" anchor="ctr" anchorCtr="0" compatLnSpc="1">
+            <a:prstTxWarp prst="textNoShape">
+              <a:avLst/>
+            </a:prstTxWarp>
+            <a:spAutoFit/>
+          </a:bodyPr>
+          <a:lstStyle/>
+          <a:p>
+            <a:pPr marL="0" marR="0" lvl="0" indent="0" algn="l" defTabSz="914400" rtl="0" eaLnBrk="0" fontAlgn="base" latinLnBrk="0" hangingPunct="0">
+              <a:lnSpc>
+                <a:spcPct val="100000"/>
+              </a:lnSpc>
+              <a:spcBef>
+                <a:spcPct val="0"/>
+              </a:spcBef>
+              <a:spcAft>
+                <a:spcPct val="0"/>
+              </a:spcAft>
+              <a:buClrTx/>
+              <a:buSzTx/>
+              <a:buFontTx/>
+              <a:buNone/>
+              <a:tabLst/>
+            </a:pPr>
+            <a:r>
+              <a:rPr kumimoji="0" lang="en-US" sz="900" b="0" i="1" u="none" strike="noStrike" cap="none" normalizeH="0" baseline="0" dirty="0" smtClean="0">
+                <a:ln>
+                  <a:noFill/>
+                </a:ln>
+                <a:solidFill>
+                  <a:srgbClr val="44546A"/>
+                </a:solidFill>
+                <a:effectLst/>
+                <a:latin typeface="Calibri" panose="020F0502020204030204" pitchFamily="34" charset="0"/>
+                <a:ea typeface="Calibri" panose="020F0502020204030204" pitchFamily="34" charset="0"/>
+                <a:cs typeface="Times New Roman" panose="02020603050405020304" pitchFamily="18" charset="0"/>
+              </a:rPr>
+              <a:t>                           F</a:t>
+            </a:r>
+            <a:r>
+              <a:rPr kumimoji="0" lang="en-US" sz="900" b="0" i="1" u="none" strike="noStrike" cap="none" normalizeH="0" baseline="0" dirty="0" smtClean="0" bmk="">
+                <a:ln>
+                  <a:noFill/>
+                </a:ln>
+                <a:solidFill>
+                  <a:srgbClr val="44546A"/>
+                </a:solidFill>
+                <a:effectLst/>
+                <a:latin typeface="Calibri" panose="020F0502020204030204" pitchFamily="34" charset="0"/>
+                <a:ea typeface="Calibri" panose="020F0502020204030204" pitchFamily="34" charset="0"/>
+                <a:cs typeface="Times New Roman" panose="02020603050405020304" pitchFamily="18" charset="0"/>
+              </a:rPr>
+              <a:t>igure </a:t>
+            </a:r>
+            <a:r>
+              <a:rPr kumimoji="0" lang="en-US" sz="900" b="0" i="1" u="none" strike="noStrike" cap="none" normalizeH="0" baseline="0" dirty="0" smtClean="0" bmk="_Toc6834578">
+                <a:ln>
+                  <a:noFill/>
+                </a:ln>
+                <a:solidFill>
+                  <a:srgbClr val="44546A"/>
+                </a:solidFill>
+                <a:effectLst/>
+                <a:latin typeface="Calibri" panose="020F0502020204030204" pitchFamily="34" charset="0"/>
+                <a:ea typeface="Calibri" panose="020F0502020204030204" pitchFamily="34" charset="0"/>
+                <a:cs typeface="Times New Roman" panose="02020603050405020304" pitchFamily="18" charset="0"/>
+              </a:rPr>
+              <a:t>43: Teacher Sign up Form</a:t>
+            </a:r>
+            <a:endParaRPr kumimoji="0" lang="en-US" sz="1800" b="0" i="0" u="none" strike="noStrike" cap="none" normalizeH="0" baseline="0" dirty="0" smtClean="0">
+              <a:ln>
+                <a:noFill/>
+              </a:ln>
+              <a:solidFill>
+                <a:schemeClr val="tx1"/>
+              </a:solidFill>
+              <a:effectLst/>
+              <a:latin typeface="Arial" panose="020B0604020202020204" pitchFamily="34" charset="0"/>
+            </a:endParaRPr>
+          </a:p>
+        </p:txBody>
+      </p:sp>
+    </p:spTree>
+    <p:extLst>
+      <p:ext uri="{BB962C8B-B14F-4D97-AF65-F5344CB8AC3E}">
+        <p14:creationId xmlns:p14="http://schemas.microsoft.com/office/powerpoint/2010/main" val="1102790170"/>
+      </p:ext>
+    </p:extLst>
+  </p:cSld>
+  <p:clrMapOvr>
+    <a:masterClrMapping/>
+  </p:clrMapOvr>
+</p:sld>
+</file>
+
+<file path=ppt/slides/slide29.xml><?xml version="1.0" encoding="utf-8"?>
+<p:sld xmlns:a="http://schemas.openxmlformats.org/drawingml/2006/main" xmlns:r="http://schemas.openxmlformats.org/officeDocument/2006/relationships" xmlns:p="http://schemas.openxmlformats.org/presentationml/2006/main">
+  <p:cSld>
+    <p:spTree>
+      <p:nvGrpSpPr>
+        <p:cNvPr id="1" name=""/>
+        <p:cNvGrpSpPr/>
+        <p:nvPr/>
+      </p:nvGrpSpPr>
+      <p:grpSpPr>
+        <a:xfrm>
+          <a:off x="0" y="0"/>
+          <a:ext cx="0" cy="0"/>
+          <a:chOff x="0" y="0"/>
+          <a:chExt cx="0" cy="0"/>
+        </a:xfrm>
+      </p:grpSpPr>
+      <p:sp>
+        <p:nvSpPr>
+          <p:cNvPr id="2" name="Title 1"/>
+          <p:cNvSpPr>
+            <a:spLocks noGrp="1"/>
+          </p:cNvSpPr>
+          <p:nvPr>
+            <p:ph type="title"/>
+          </p:nvPr>
+        </p:nvSpPr>
+        <p:spPr/>
+        <p:txBody>
+          <a:bodyPr/>
+          <a:lstStyle/>
+          <a:p>
+            <a:r>
+              <a:rPr lang="en-US" dirty="0" smtClean="0"/>
+              <a:t>Student Registration Form</a:t>
+            </a:r>
+            <a:endParaRPr lang="en-US" dirty="0"/>
+          </a:p>
+        </p:txBody>
+      </p:sp>
+      <p:sp>
+        <p:nvSpPr>
+          <p:cNvPr id="3" name="Content Placeholder 2"/>
+          <p:cNvSpPr>
+            <a:spLocks noGrp="1"/>
+          </p:cNvSpPr>
+          <p:nvPr>
+            <p:ph idx="1"/>
+          </p:nvPr>
+        </p:nvSpPr>
+        <p:spPr>
+          <a:xfrm>
+            <a:off x="838199" y="1633187"/>
+            <a:ext cx="33465233" cy="5292399"/>
+          </a:xfrm>
+        </p:spPr>
+        <p:txBody>
+          <a:bodyPr/>
+          <a:lstStyle/>
+          <a:p>
+            <a:endParaRPr lang="en-US" dirty="0"/>
+          </a:p>
+        </p:txBody>
+      </p:sp>
+      <p:sp>
+        <p:nvSpPr>
+          <p:cNvPr id="5" name="Rectangle 4"/>
+          <p:cNvSpPr>
+            <a:spLocks noChangeArrowheads="1"/>
+          </p:cNvSpPr>
+          <p:nvPr/>
+        </p:nvSpPr>
+        <p:spPr bwMode="auto">
+          <a:xfrm>
+            <a:off x="2520562" y="6273225"/>
+            <a:ext cx="38800271" cy="584775"/>
+          </a:xfrm>
+          <a:prstGeom prst="rect">
+            <a:avLst/>
+          </a:prstGeom>
+          <a:noFill/>
+          <a:ln>
+            <a:noFill/>
+          </a:ln>
+          <a:effectLst/>
+          <a:extLst>
+            <a:ext uri="{909E8E84-426E-40DD-AFC4-6F175D3DCCD1}">
+              <a14:hiddenFill xmlns:a14="http://schemas.microsoft.com/office/drawing/2010/main">
+                <a:solidFill>
+                  <a:schemeClr val="accent1"/>
+                </a:solidFill>
+              </a14:hiddenFill>
+            </a:ext>
+            <a:ext uri="{91240B29-F687-4F45-9708-019B960494DF}">
+              <a14:hiddenLine xmlns:a14="http://schemas.microsoft.com/office/drawing/2010/main" w="9525">
+                <a:solidFill>
+                  <a:schemeClr val="tx1"/>
+                </a:solidFill>
+                <a:miter lim="800000"/>
+                <a:headEnd/>
+                <a:tailEnd/>
+              </a14:hiddenLine>
+            </a:ext>
+            <a:ext uri="{AF507438-7753-43E0-B8FC-AC1667EBCBE1}">
+              <a14:hiddenEffects xmlns:a14="http://schemas.microsoft.com/office/drawing/2010/main">
+                <a:effectLst>
+                  <a:outerShdw dist="35921" dir="2700000" algn="ctr" rotWithShape="0">
+                    <a:schemeClr val="bg2"/>
+                  </a:outerShdw>
+                </a:effectLst>
+              </a14:hiddenEffects>
+            </a:ext>
+          </a:extLst>
+        </p:spPr>
+        <p:txBody>
+          <a:bodyPr vert="horz" wrap="square" lIns="91440" tIns="45720" rIns="91440" bIns="45720" numCol="1" anchor="ctr" anchorCtr="0" compatLnSpc="1">
+            <a:prstTxWarp prst="textNoShape">
+              <a:avLst/>
+            </a:prstTxWarp>
+            <a:spAutoFit/>
+          </a:bodyPr>
+          <a:lstStyle/>
+          <a:p>
+            <a:pPr marL="0" marR="0" lvl="0" indent="0" algn="l" defTabSz="914400" rtl="0" eaLnBrk="0" fontAlgn="base" latinLnBrk="0" hangingPunct="0">
+              <a:lnSpc>
+                <a:spcPct val="100000"/>
+              </a:lnSpc>
+              <a:spcBef>
+                <a:spcPct val="0"/>
+              </a:spcBef>
+              <a:spcAft>
+                <a:spcPct val="0"/>
+              </a:spcAft>
+              <a:buClrTx/>
+              <a:buSzTx/>
+              <a:buFontTx/>
+              <a:buNone/>
+              <a:tabLst/>
+            </a:pPr>
+            <a:r>
+              <a:rPr kumimoji="0" lang="en-US" sz="1400" b="0" i="0" u="none" strike="noStrike" cap="none" normalizeH="0" baseline="0" dirty="0" smtClean="0">
+                <a:ln>
+                  <a:noFill/>
+                </a:ln>
+                <a:solidFill>
+                  <a:schemeClr val="tx1"/>
+                </a:solidFill>
+                <a:effectLst/>
+                <a:latin typeface="Arial" panose="020B0604020202020204" pitchFamily="34" charset="0"/>
+                <a:ea typeface="Calibri" panose="020F0502020204030204" pitchFamily="34" charset="0"/>
+                <a:cs typeface="Arial" panose="020B0604020202020204" pitchFamily="34" charset="0"/>
+              </a:rPr>
+              <a:t>Student signup form</a:t>
+            </a:r>
+            <a:endParaRPr kumimoji="0" lang="en-US" sz="800" b="0" i="0" u="none" strike="noStrike" cap="none" normalizeH="0" baseline="0" dirty="0" smtClean="0">
+              <a:ln>
+                <a:noFill/>
+              </a:ln>
+              <a:solidFill>
+                <a:schemeClr val="tx1"/>
+              </a:solidFill>
+              <a:effectLst/>
+            </a:endParaRPr>
+          </a:p>
+          <a:p>
+            <a:pPr marL="0" marR="0" lvl="0" indent="0" algn="l" defTabSz="914400" rtl="0" eaLnBrk="0" fontAlgn="base" latinLnBrk="0" hangingPunct="0">
+              <a:lnSpc>
+                <a:spcPct val="100000"/>
+              </a:lnSpc>
+              <a:spcBef>
+                <a:spcPct val="0"/>
+              </a:spcBef>
+              <a:spcAft>
+                <a:spcPct val="0"/>
+              </a:spcAft>
+              <a:buClrTx/>
+              <a:buSzTx/>
+              <a:buFontTx/>
+              <a:buNone/>
+              <a:tabLst/>
+            </a:pPr>
+            <a:endParaRPr kumimoji="0" lang="en-US" sz="1800" b="0" i="0" u="none" strike="noStrike" cap="none" normalizeH="0" baseline="0" dirty="0" smtClean="0">
+              <a:ln>
+                <a:noFill/>
+              </a:ln>
+              <a:solidFill>
+                <a:schemeClr val="tx1"/>
+              </a:solidFill>
+              <a:effectLst/>
+              <a:latin typeface="Arial" panose="020B0604020202020204" pitchFamily="34" charset="0"/>
+            </a:endParaRPr>
+          </a:p>
+        </p:txBody>
+      </p:sp>
+      <p:pic>
+        <p:nvPicPr>
+          <p:cNvPr id="3075" name="Picture 47"/>
+          <p:cNvPicPr>
+            <a:picLocks noChangeAspect="1" noChangeArrowheads="1"/>
+          </p:cNvPicPr>
+          <p:nvPr/>
+        </p:nvPicPr>
+        <p:blipFill>
+          <a:blip r:embed="rId2">
+            <a:extLst>
+              <a:ext uri="{28A0092B-C50C-407E-A947-70E740481C1C}">
+                <a14:useLocalDpi xmlns:a14="http://schemas.microsoft.com/office/drawing/2010/main" val="0"/>
+              </a:ext>
+            </a:extLst>
+          </a:blip>
+          <a:srcRect/>
+          <a:stretch>
+            <a:fillRect/>
+          </a:stretch>
+        </p:blipFill>
+        <p:spPr bwMode="auto">
+          <a:xfrm>
+            <a:off x="970058" y="1674784"/>
+            <a:ext cx="6798366" cy="4598441"/>
+          </a:xfrm>
+          <a:prstGeom prst="rect">
+            <a:avLst/>
+          </a:prstGeom>
+          <a:noFill/>
+          <a:extLst>
+            <a:ext uri="{909E8E84-426E-40DD-AFC4-6F175D3DCCD1}">
+              <a14:hiddenFill xmlns:a14="http://schemas.microsoft.com/office/drawing/2010/main">
+                <a:solidFill>
+                  <a:srgbClr val="FFFFFF"/>
+                </a:solidFill>
+              </a14:hiddenFill>
+            </a:ext>
+          </a:extLst>
+        </p:spPr>
+      </p:pic>
+    </p:spTree>
+    <p:extLst>
+      <p:ext uri="{BB962C8B-B14F-4D97-AF65-F5344CB8AC3E}">
+        <p14:creationId xmlns:p14="http://schemas.microsoft.com/office/powerpoint/2010/main" val="691781835"/>
+      </p:ext>
+    </p:extLst>
+  </p:cSld>
+  <p:clrMapOvr>
+    <a:masterClrMapping/>
+  </p:clrMapOvr>
+</p:sld>
+</file>
+
+<file path=ppt/slides/slide3.xml><?xml version="1.0" encoding="utf-8"?>
+<p:sld xmlns:a="http://schemas.openxmlformats.org/drawingml/2006/main" xmlns:r="http://schemas.openxmlformats.org/officeDocument/2006/relationships" xmlns:p="http://schemas.openxmlformats.org/presentationml/2006/main">
+  <p:cSld>
+    <p:spTree>
+      <p:nvGrpSpPr>
+        <p:cNvPr id="1" name=""/>
+        <p:cNvGrpSpPr/>
+        <p:nvPr/>
+      </p:nvGrpSpPr>
+      <p:grpSpPr>
+        <a:xfrm>
+          <a:off x="0" y="0"/>
+          <a:ext cx="0" cy="0"/>
+          <a:chOff x="0" y="0"/>
+          <a:chExt cx="0" cy="0"/>
+        </a:xfrm>
+      </p:grpSpPr>
+      <p:sp>
+        <p:nvSpPr>
+          <p:cNvPr id="2" name="Title 1"/>
+          <p:cNvSpPr>
+            <a:spLocks noGrp="1"/>
+          </p:cNvSpPr>
+          <p:nvPr>
+            <p:ph type="title"/>
+          </p:nvPr>
+        </p:nvSpPr>
+        <p:spPr/>
+        <p:txBody>
+          <a:bodyPr/>
+          <a:lstStyle/>
+          <a:p>
+            <a:r>
+              <a:rPr lang="en-US" dirty="0" smtClean="0"/>
+              <a:t>Problem statement</a:t>
+            </a:r>
+            <a:endParaRPr lang="en-US" dirty="0"/>
+          </a:p>
+        </p:txBody>
+      </p:sp>
+      <p:sp>
+        <p:nvSpPr>
+          <p:cNvPr id="3" name="Content Placeholder 2"/>
+          <p:cNvSpPr>
+            <a:spLocks noGrp="1"/>
+          </p:cNvSpPr>
+          <p:nvPr>
+            <p:ph idx="1"/>
+          </p:nvPr>
+        </p:nvSpPr>
+        <p:spPr/>
+        <p:txBody>
+          <a:bodyPr/>
+          <a:lstStyle/>
+          <a:p>
+            <a:r>
+              <a:rPr lang="en-US" dirty="0" smtClean="0"/>
+              <a:t>School without this software is having big problem in managing the daily details of school activities. Problems were</a:t>
+            </a:r>
+          </a:p>
+          <a:p>
+            <a:r>
+              <a:rPr lang="en-US" dirty="0" smtClean="0"/>
+              <a:t>Difficult to understand how to manage the students </a:t>
+            </a:r>
+          </a:p>
+          <a:p>
+            <a:r>
+              <a:rPr lang="en-US" dirty="0" smtClean="0"/>
+              <a:t>Problem in finding the details of anything of school whenever needed</a:t>
+            </a:r>
+          </a:p>
+          <a:p>
+            <a:r>
+              <a:rPr lang="en-US" dirty="0" smtClean="0"/>
+              <a:t>Problem in communication with teacher </a:t>
+            </a:r>
+          </a:p>
+          <a:p>
+            <a:endParaRPr lang="en-US" dirty="0"/>
+          </a:p>
+        </p:txBody>
+      </p:sp>
+    </p:spTree>
+    <p:extLst>
+      <p:ext uri="{BB962C8B-B14F-4D97-AF65-F5344CB8AC3E}">
+        <p14:creationId xmlns:p14="http://schemas.microsoft.com/office/powerpoint/2010/main" val="559177713"/>
+      </p:ext>
+    </p:extLst>
+  </p:cSld>
+  <p:clrMapOvr>
+    <a:masterClrMapping/>
+  </p:clrMapOvr>
+  <p:timing>
+    <p:tnLst>
+      <p:par>
+        <p:cTn id="1" dur="indefinite" restart="never" nodeType="tmRoot"/>
+      </p:par>
+    </p:tnLst>
+  </p:timing>
+</p:sld>
+</file>
+
+<file path=ppt/slides/slide30.xml><?xml version="1.0" encoding="utf-8"?>
+<p:sld xmlns:a="http://schemas.openxmlformats.org/drawingml/2006/main" xmlns:r="http://schemas.openxmlformats.org/officeDocument/2006/relationships" xmlns:p="http://schemas.openxmlformats.org/presentationml/2006/main">
+  <p:cSld>
+    <p:spTree>
+      <p:nvGrpSpPr>
+        <p:cNvPr id="1" name=""/>
+        <p:cNvGrpSpPr/>
+        <p:nvPr/>
+      </p:nvGrpSpPr>
+      <p:grpSpPr>
+        <a:xfrm>
+          <a:off x="0" y="0"/>
+          <a:ext cx="0" cy="0"/>
+          <a:chOff x="0" y="0"/>
+          <a:chExt cx="0" cy="0"/>
+        </a:xfrm>
+      </p:grpSpPr>
+      <p:sp>
+        <p:nvSpPr>
+          <p:cNvPr id="2" name="Title 1"/>
+          <p:cNvSpPr>
+            <a:spLocks noGrp="1"/>
+          </p:cNvSpPr>
+          <p:nvPr>
+            <p:ph type="title"/>
+          </p:nvPr>
+        </p:nvSpPr>
+        <p:spPr>
+          <a:xfrm>
+            <a:off x="146436" y="327205"/>
+            <a:ext cx="10515600" cy="1325563"/>
+          </a:xfrm>
+        </p:spPr>
+        <p:txBody>
+          <a:bodyPr/>
+          <a:lstStyle/>
+          <a:p>
+            <a:r>
+              <a:rPr lang="en-US" dirty="0" smtClean="0"/>
+              <a:t>Parent Registration Form</a:t>
+            </a:r>
+            <a:endParaRPr lang="en-US" dirty="0"/>
+          </a:p>
+        </p:txBody>
+      </p:sp>
+      <p:sp>
+        <p:nvSpPr>
+          <p:cNvPr id="3" name="Content Placeholder 2"/>
+          <p:cNvSpPr>
+            <a:spLocks noGrp="1"/>
+          </p:cNvSpPr>
+          <p:nvPr>
+            <p:ph idx="1"/>
+          </p:nvPr>
+        </p:nvSpPr>
+        <p:spPr>
+          <a:xfrm>
+            <a:off x="-76265" y="1690689"/>
+            <a:ext cx="13274767" cy="4877088"/>
+          </a:xfrm>
+        </p:spPr>
+        <p:txBody>
+          <a:bodyPr/>
+          <a:lstStyle/>
+          <a:p>
+            <a:r>
+              <a:rPr lang="en-US" dirty="0" err="1" smtClean="0"/>
+              <a:t>dgbng</a:t>
+            </a:r>
+            <a:endParaRPr lang="en-US" dirty="0"/>
+          </a:p>
+        </p:txBody>
+      </p:sp>
+      <p:sp>
+        <p:nvSpPr>
+          <p:cNvPr id="4" name="Rectangle 2"/>
+          <p:cNvSpPr>
+            <a:spLocks noChangeArrowheads="1"/>
+          </p:cNvSpPr>
+          <p:nvPr/>
+        </p:nvSpPr>
+        <p:spPr bwMode="auto">
+          <a:xfrm>
+            <a:off x="-1354332" y="-1341314"/>
+            <a:ext cx="15391034" cy="584775"/>
+          </a:xfrm>
+          <a:prstGeom prst="rect">
+            <a:avLst/>
+          </a:prstGeom>
+          <a:noFill/>
+          <a:ln>
+            <a:noFill/>
+          </a:ln>
+          <a:effectLst/>
+          <a:extLst>
+            <a:ext uri="{909E8E84-426E-40DD-AFC4-6F175D3DCCD1}">
+              <a14:hiddenFill xmlns:a14="http://schemas.microsoft.com/office/drawing/2010/main">
+                <a:solidFill>
+                  <a:schemeClr val="accent1"/>
+                </a:solidFill>
+              </a14:hiddenFill>
+            </a:ext>
+            <a:ext uri="{91240B29-F687-4F45-9708-019B960494DF}">
+              <a14:hiddenLine xmlns:a14="http://schemas.microsoft.com/office/drawing/2010/main" w="9525">
+                <a:solidFill>
+                  <a:schemeClr val="tx1"/>
+                </a:solidFill>
+                <a:miter lim="800000"/>
+                <a:headEnd/>
+                <a:tailEnd/>
+              </a14:hiddenLine>
+            </a:ext>
+            <a:ext uri="{AF507438-7753-43E0-B8FC-AC1667EBCBE1}">
+              <a14:hiddenEffects xmlns:a14="http://schemas.microsoft.com/office/drawing/2010/main">
+                <a:effectLst>
+                  <a:outerShdw dist="35921" dir="2700000" algn="ctr" rotWithShape="0">
+                    <a:schemeClr val="bg2"/>
+                  </a:outerShdw>
+                </a:effectLst>
+              </a14:hiddenEffects>
+            </a:ext>
+          </a:extLst>
+        </p:spPr>
+        <p:txBody>
+          <a:bodyPr vert="horz" wrap="square" lIns="91440" tIns="45720" rIns="91440" bIns="45720" numCol="1" anchor="ctr" anchorCtr="0" compatLnSpc="1">
+            <a:prstTxWarp prst="textNoShape">
+              <a:avLst/>
+            </a:prstTxWarp>
+            <a:spAutoFit/>
+          </a:bodyPr>
+          <a:lstStyle/>
+          <a:p>
+            <a:pPr marL="0" marR="0" lvl="0" indent="0" algn="l" defTabSz="914400" rtl="0" eaLnBrk="0" fontAlgn="base" latinLnBrk="0" hangingPunct="0">
+              <a:lnSpc>
+                <a:spcPct val="100000"/>
+              </a:lnSpc>
+              <a:spcBef>
+                <a:spcPct val="0"/>
+              </a:spcBef>
+              <a:spcAft>
+                <a:spcPct val="0"/>
+              </a:spcAft>
+              <a:buClrTx/>
+              <a:buSzTx/>
+              <a:buFontTx/>
+              <a:buNone/>
+              <a:tabLst/>
+            </a:pPr>
+            <a:r>
+              <a:rPr kumimoji="0" lang="en-US" sz="1400" b="0" i="0" u="none" strike="noStrike" cap="none" normalizeH="0" baseline="0" smtClean="0">
+                <a:ln>
+                  <a:noFill/>
+                </a:ln>
+                <a:solidFill>
+                  <a:schemeClr val="tx1"/>
+                </a:solidFill>
+                <a:effectLst/>
+                <a:latin typeface="Arial" panose="020B0604020202020204" pitchFamily="34" charset="0"/>
+                <a:ea typeface="Calibri" panose="020F0502020204030204" pitchFamily="34" charset="0"/>
+                <a:cs typeface="Arial" panose="020B0604020202020204" pitchFamily="34" charset="0"/>
+              </a:rPr>
+              <a:t>Parent sign up form</a:t>
+            </a:r>
+            <a:endParaRPr kumimoji="0" lang="en-US" sz="800" b="0" i="0" u="none" strike="noStrike" cap="none" normalizeH="0" baseline="0" smtClean="0">
+              <a:ln>
+                <a:noFill/>
+              </a:ln>
+              <a:solidFill>
+                <a:schemeClr val="tx1"/>
+              </a:solidFill>
+              <a:effectLst/>
+            </a:endParaRPr>
+          </a:p>
+          <a:p>
+            <a:pPr marL="0" marR="0" lvl="0" indent="0" algn="l" defTabSz="914400" rtl="0" eaLnBrk="0" fontAlgn="base" latinLnBrk="0" hangingPunct="0">
+              <a:lnSpc>
+                <a:spcPct val="100000"/>
+              </a:lnSpc>
+              <a:spcBef>
+                <a:spcPct val="0"/>
+              </a:spcBef>
+              <a:spcAft>
+                <a:spcPct val="0"/>
+              </a:spcAft>
+              <a:buClrTx/>
+              <a:buSzTx/>
+              <a:buFontTx/>
+              <a:buNone/>
+              <a:tabLst/>
+            </a:pPr>
+            <a:endParaRPr kumimoji="0" lang="en-US" sz="1800" b="0" i="0" u="none" strike="noStrike" cap="none" normalizeH="0" baseline="0" smtClean="0">
+              <a:ln>
+                <a:noFill/>
+              </a:ln>
+              <a:solidFill>
+                <a:schemeClr val="tx1"/>
+              </a:solidFill>
+              <a:effectLst/>
+              <a:latin typeface="Arial" panose="020B0604020202020204" pitchFamily="34" charset="0"/>
+            </a:endParaRPr>
+          </a:p>
+        </p:txBody>
+      </p:sp>
+      <p:pic>
+        <p:nvPicPr>
+          <p:cNvPr id="4097" name="Picture 48"/>
+          <p:cNvPicPr>
+            <a:picLocks noChangeAspect="1" noChangeArrowheads="1"/>
+          </p:cNvPicPr>
+          <p:nvPr/>
+        </p:nvPicPr>
+        <p:blipFill>
+          <a:blip r:embed="rId2">
+            <a:extLst>
+              <a:ext uri="{28A0092B-C50C-407E-A947-70E740481C1C}">
+                <a14:useLocalDpi xmlns:a14="http://schemas.microsoft.com/office/drawing/2010/main" val="0"/>
+              </a:ext>
+            </a:extLst>
+          </a:blip>
+          <a:srcRect/>
+          <a:stretch>
+            <a:fillRect/>
+          </a:stretch>
+        </p:blipFill>
+        <p:spPr bwMode="auto">
+          <a:xfrm>
+            <a:off x="0" y="1766531"/>
+            <a:ext cx="4754880" cy="4430199"/>
+          </a:xfrm>
+          <a:prstGeom prst="rect">
+            <a:avLst/>
+          </a:prstGeom>
+          <a:noFill/>
+          <a:extLst>
+            <a:ext uri="{909E8E84-426E-40DD-AFC4-6F175D3DCCD1}">
+              <a14:hiddenFill xmlns:a14="http://schemas.microsoft.com/office/drawing/2010/main">
+                <a:solidFill>
+                  <a:srgbClr val="FFFFFF"/>
+                </a:solidFill>
+              </a14:hiddenFill>
+            </a:ext>
+          </a:extLst>
+        </p:spPr>
+      </p:pic>
+      <p:sp>
+        <p:nvSpPr>
+          <p:cNvPr id="5" name="Rectangle 4"/>
+          <p:cNvSpPr/>
+          <p:nvPr/>
+        </p:nvSpPr>
+        <p:spPr>
+          <a:xfrm>
+            <a:off x="5404236" y="5152647"/>
+            <a:ext cx="3010440" cy="369332"/>
+          </a:xfrm>
+          <a:prstGeom prst="rect">
+            <a:avLst/>
+          </a:prstGeom>
+        </p:spPr>
+        <p:txBody>
+          <a:bodyPr wrap="none">
+            <a:spAutoFit/>
+          </a:bodyPr>
+          <a:lstStyle/>
+          <a:p>
+            <a:r>
+              <a:rPr lang="en-US" dirty="0">
+                <a:latin typeface="Calibri" panose="020F0502020204030204" pitchFamily="34" charset="0"/>
+                <a:ea typeface="Calibri" panose="020F0502020204030204" pitchFamily="34" charset="0"/>
+                <a:cs typeface="Times New Roman" panose="02020603050405020304" pitchFamily="18" charset="0"/>
+              </a:rPr>
+              <a:t>Figure 45: Parent sign up form</a:t>
+            </a:r>
+            <a:endParaRPr lang="en-US" dirty="0"/>
+          </a:p>
+        </p:txBody>
+      </p:sp>
+    </p:spTree>
+    <p:extLst>
+      <p:ext uri="{BB962C8B-B14F-4D97-AF65-F5344CB8AC3E}">
+        <p14:creationId xmlns:p14="http://schemas.microsoft.com/office/powerpoint/2010/main" val="2572864883"/>
+      </p:ext>
+    </p:extLst>
+  </p:cSld>
+  <p:clrMapOvr>
+    <a:masterClrMapping/>
+  </p:clrMapOvr>
+</p:sld>
+</file>
+
+<file path=ppt/slides/slide31.xml><?xml version="1.0" encoding="utf-8"?>
+<p:sld xmlns:a="http://schemas.openxmlformats.org/drawingml/2006/main" xmlns:r="http://schemas.openxmlformats.org/officeDocument/2006/relationships" xmlns:p="http://schemas.openxmlformats.org/presentationml/2006/main">
+  <p:cSld>
+    <p:spTree>
+      <p:nvGrpSpPr>
+        <p:cNvPr id="1" name=""/>
+        <p:cNvGrpSpPr/>
+        <p:nvPr/>
+      </p:nvGrpSpPr>
+      <p:grpSpPr>
+        <a:xfrm>
+          <a:off x="0" y="0"/>
+          <a:ext cx="0" cy="0"/>
+          <a:chOff x="0" y="0"/>
+          <a:chExt cx="0" cy="0"/>
+        </a:xfrm>
+      </p:grpSpPr>
+      <p:sp>
+        <p:nvSpPr>
+          <p:cNvPr id="2" name="Title 1"/>
+          <p:cNvSpPr>
+            <a:spLocks noGrp="1"/>
+          </p:cNvSpPr>
+          <p:nvPr>
+            <p:ph type="title"/>
+          </p:nvPr>
+        </p:nvSpPr>
+        <p:spPr>
+          <a:xfrm>
+            <a:off x="838200" y="365125"/>
+            <a:ext cx="10515600" cy="970694"/>
+          </a:xfrm>
+        </p:spPr>
+        <p:txBody>
+          <a:bodyPr>
+            <a:normAutofit fontScale="90000"/>
+          </a:bodyPr>
+          <a:lstStyle/>
+          <a:p>
+            <a:r>
+              <a:rPr lang="en-US" dirty="0"/>
+              <a:t> </a:t>
+            </a:r>
+            <a:br>
+              <a:rPr lang="en-US" dirty="0"/>
+            </a:br>
+            <a:r>
+              <a:rPr lang="en-US" dirty="0"/>
+              <a:t>After successful registration approved by admin, users can login the page </a:t>
+            </a:r>
+            <a:br>
+              <a:rPr lang="en-US" dirty="0"/>
+            </a:br>
+            <a:r>
+              <a:rPr lang="en-US" dirty="0"/>
+              <a:t>Login page for all users</a:t>
+            </a:r>
+          </a:p>
+        </p:txBody>
+      </p:sp>
+      <p:pic>
+        <p:nvPicPr>
+          <p:cNvPr id="7" name="Content Placeholder 6"/>
+          <p:cNvPicPr>
+            <a:picLocks noGrp="1"/>
+          </p:cNvPicPr>
+          <p:nvPr>
+            <p:ph idx="1"/>
+          </p:nvPr>
+        </p:nvPicPr>
+        <p:blipFill>
+          <a:blip r:embed="rId2">
+            <a:extLst>
+              <a:ext uri="{28A0092B-C50C-407E-A947-70E740481C1C}">
+                <a14:useLocalDpi xmlns:a14="http://schemas.microsoft.com/office/drawing/2010/main" val="0"/>
+              </a:ext>
+            </a:extLst>
+          </a:blip>
+          <a:stretch>
+            <a:fillRect/>
+          </a:stretch>
+        </p:blipFill>
+        <p:spPr>
+          <a:xfrm>
+            <a:off x="359817" y="2116988"/>
+            <a:ext cx="3330229" cy="3787468"/>
+          </a:xfrm>
+          <a:prstGeom prst="rect">
+            <a:avLst/>
+          </a:prstGeom>
+        </p:spPr>
+      </p:pic>
+      <p:sp>
+        <p:nvSpPr>
+          <p:cNvPr id="6" name="Rectangle 5"/>
+          <p:cNvSpPr/>
+          <p:nvPr/>
+        </p:nvSpPr>
+        <p:spPr>
+          <a:xfrm>
+            <a:off x="4341412" y="3411110"/>
+            <a:ext cx="3326076" cy="369332"/>
+          </a:xfrm>
+          <a:prstGeom prst="rect">
+            <a:avLst/>
+          </a:prstGeom>
+        </p:spPr>
+        <p:txBody>
+          <a:bodyPr wrap="square">
+            <a:spAutoFit/>
+          </a:bodyPr>
+          <a:lstStyle/>
+          <a:p>
+            <a:r>
+              <a:rPr lang="en-US" i="1" dirty="0">
+                <a:solidFill>
+                  <a:srgbClr val="44546A"/>
+                </a:solidFill>
+                <a:latin typeface="Calibri" panose="020F0502020204030204" pitchFamily="34" charset="0"/>
+                <a:ea typeface="Calibri" panose="020F0502020204030204" pitchFamily="34" charset="0"/>
+                <a:cs typeface="Times New Roman" panose="02020603050405020304" pitchFamily="18" charset="0"/>
+              </a:rPr>
+              <a:t> Figure 46:  Login form for users</a:t>
+            </a:r>
+            <a:endParaRPr lang="en-US" dirty="0"/>
+          </a:p>
+        </p:txBody>
+      </p:sp>
+    </p:spTree>
+    <p:extLst>
+      <p:ext uri="{BB962C8B-B14F-4D97-AF65-F5344CB8AC3E}">
+        <p14:creationId xmlns:p14="http://schemas.microsoft.com/office/powerpoint/2010/main" val="2905919737"/>
+      </p:ext>
+    </p:extLst>
+  </p:cSld>
+  <p:clrMapOvr>
+    <a:masterClrMapping/>
+  </p:clrMapOvr>
+</p:sld>
+</file>
+
+<file path=ppt/slides/slide32.xml><?xml version="1.0" encoding="utf-8"?>
+<p:sld xmlns:a="http://schemas.openxmlformats.org/drawingml/2006/main" xmlns:r="http://schemas.openxmlformats.org/officeDocument/2006/relationships" xmlns:p="http://schemas.openxmlformats.org/presentationml/2006/main">
+  <p:cSld>
+    <p:spTree>
+      <p:nvGrpSpPr>
+        <p:cNvPr id="1" name=""/>
+        <p:cNvGrpSpPr/>
+        <p:nvPr/>
+      </p:nvGrpSpPr>
+      <p:grpSpPr>
+        <a:xfrm>
+          <a:off x="0" y="0"/>
+          <a:ext cx="0" cy="0"/>
+          <a:chOff x="0" y="0"/>
+          <a:chExt cx="0" cy="0"/>
+        </a:xfrm>
+      </p:grpSpPr>
+      <p:sp>
+        <p:nvSpPr>
+          <p:cNvPr id="3" name="Content Placeholder 2"/>
+          <p:cNvSpPr>
+            <a:spLocks noGrp="1"/>
+          </p:cNvSpPr>
+          <p:nvPr>
+            <p:ph idx="1"/>
+          </p:nvPr>
+        </p:nvSpPr>
+        <p:spPr>
+          <a:xfrm>
+            <a:off x="571713" y="234565"/>
+            <a:ext cx="7591694" cy="6623435"/>
+          </a:xfrm>
+        </p:spPr>
+        <p:txBody>
+          <a:bodyPr/>
+          <a:lstStyle/>
+          <a:p>
+            <a:r>
+              <a:rPr lang="en-US" dirty="0" smtClean="0"/>
+              <a:t>Steps for login</a:t>
+            </a:r>
+          </a:p>
+          <a:p>
+            <a:r>
+              <a:rPr lang="en-US" dirty="0" smtClean="0"/>
+              <a:t>Put the username/E-mail id of the user and click to the button</a:t>
+            </a:r>
+          </a:p>
+          <a:p>
+            <a:r>
+              <a:rPr lang="en-US" b="1" dirty="0" smtClean="0"/>
+              <a:t>Sign in</a:t>
+            </a:r>
+            <a:r>
+              <a:rPr lang="en-US" dirty="0" smtClean="0"/>
+              <a:t> which will lead you to the dashboard of the school</a:t>
+            </a:r>
+          </a:p>
+          <a:p>
+            <a:r>
+              <a:rPr lang="en-US" dirty="0" smtClean="0"/>
+              <a:t>Let's see now how admin can modify the student details or name</a:t>
+            </a:r>
+          </a:p>
+          <a:p>
+            <a:r>
+              <a:rPr lang="en-US" dirty="0" smtClean="0"/>
+              <a:t>Admin login with his/ her username and password</a:t>
+            </a:r>
+          </a:p>
+          <a:p>
+            <a:endParaRPr lang="en-US" dirty="0"/>
+          </a:p>
+        </p:txBody>
+      </p:sp>
+      <p:sp>
+        <p:nvSpPr>
+          <p:cNvPr id="4" name="Rectangle 2"/>
+          <p:cNvSpPr>
+            <a:spLocks noChangeArrowheads="1"/>
+          </p:cNvSpPr>
+          <p:nvPr/>
+        </p:nvSpPr>
+        <p:spPr bwMode="auto">
+          <a:xfrm>
+            <a:off x="4367560" y="139149"/>
+            <a:ext cx="8285615" cy="457200"/>
+          </a:xfrm>
+          <a:prstGeom prst="rect">
+            <a:avLst/>
+          </a:prstGeom>
+          <a:noFill/>
+          <a:ln>
+            <a:noFill/>
+          </a:ln>
+          <a:effectLst/>
+          <a:extLst>
+            <a:ext uri="{909E8E84-426E-40DD-AFC4-6F175D3DCCD1}">
+              <a14:hiddenFill xmlns:a14="http://schemas.microsoft.com/office/drawing/2010/main">
+                <a:solidFill>
+                  <a:schemeClr val="accent1"/>
+                </a:solidFill>
+              </a14:hiddenFill>
+            </a:ext>
+            <a:ext uri="{91240B29-F687-4F45-9708-019B960494DF}">
+              <a14:hiddenLine xmlns:a14="http://schemas.microsoft.com/office/drawing/2010/main" w="9525">
+                <a:solidFill>
+                  <a:schemeClr val="tx1"/>
+                </a:solidFill>
+                <a:miter lim="800000"/>
+                <a:headEnd/>
+                <a:tailEnd/>
+              </a14:hiddenLine>
+            </a:ext>
+            <a:ext uri="{AF507438-7753-43E0-B8FC-AC1667EBCBE1}">
+              <a14:hiddenEffects xmlns:a14="http://schemas.microsoft.com/office/drawing/2010/main">
+                <a:effectLst>
+                  <a:outerShdw dist="35921" dir="2700000" algn="ctr" rotWithShape="0">
+                    <a:schemeClr val="bg2"/>
+                  </a:outerShdw>
+                </a:effectLst>
+              </a14:hiddenEffects>
+            </a:ext>
+          </a:extLst>
+        </p:spPr>
+        <p:txBody>
+          <a:bodyPr vert="horz" wrap="square" lIns="91440" tIns="45720" rIns="91440" bIns="45720" numCol="1" anchor="ctr" anchorCtr="0" compatLnSpc="1">
+            <a:prstTxWarp prst="textNoShape">
+              <a:avLst/>
+            </a:prstTxWarp>
+            <a:spAutoFit/>
+          </a:bodyPr>
+          <a:lstStyle/>
+          <a:p>
+            <a:endParaRPr lang="en-US"/>
+          </a:p>
+        </p:txBody>
+      </p:sp>
+      <p:pic>
+        <p:nvPicPr>
+          <p:cNvPr id="6145" name="Picture 139" descr="usermanuallogin1"/>
+          <p:cNvPicPr>
+            <a:picLocks noChangeAspect="1" noChangeArrowheads="1"/>
+          </p:cNvPicPr>
+          <p:nvPr/>
+        </p:nvPicPr>
+        <p:blipFill>
+          <a:blip r:embed="rId2">
+            <a:extLst>
+              <a:ext uri="{28A0092B-C50C-407E-A947-70E740481C1C}">
+                <a14:useLocalDpi xmlns:a14="http://schemas.microsoft.com/office/drawing/2010/main" val="0"/>
+              </a:ext>
+            </a:extLst>
+          </a:blip>
+          <a:srcRect/>
+          <a:stretch>
+            <a:fillRect/>
+          </a:stretch>
+        </p:blipFill>
+        <p:spPr bwMode="auto">
+          <a:xfrm>
+            <a:off x="8510367" y="938256"/>
+            <a:ext cx="2293648" cy="2608026"/>
+          </a:xfrm>
+          <a:prstGeom prst="rect">
+            <a:avLst/>
+          </a:prstGeom>
+          <a:noFill/>
+          <a:extLst>
+            <a:ext uri="{909E8E84-426E-40DD-AFC4-6F175D3DCCD1}">
+              <a14:hiddenFill xmlns:a14="http://schemas.microsoft.com/office/drawing/2010/main">
+                <a:solidFill>
+                  <a:srgbClr val="FFFFFF"/>
+                </a:solidFill>
+              </a14:hiddenFill>
+            </a:ext>
+          </a:extLst>
+        </p:spPr>
+      </p:pic>
+      <p:sp>
+        <p:nvSpPr>
+          <p:cNvPr id="5" name="Rectangle 3"/>
+          <p:cNvSpPr>
+            <a:spLocks noChangeArrowheads="1"/>
+          </p:cNvSpPr>
+          <p:nvPr/>
+        </p:nvSpPr>
+        <p:spPr bwMode="auto">
+          <a:xfrm>
+            <a:off x="7746865" y="3825341"/>
+            <a:ext cx="8285615" cy="661720"/>
+          </a:xfrm>
+          <a:prstGeom prst="rect">
+            <a:avLst/>
+          </a:prstGeom>
+          <a:noFill/>
+          <a:ln>
+            <a:noFill/>
+          </a:ln>
+          <a:effectLst/>
+          <a:extLst>
+            <a:ext uri="{909E8E84-426E-40DD-AFC4-6F175D3DCCD1}">
+              <a14:hiddenFill xmlns:a14="http://schemas.microsoft.com/office/drawing/2010/main">
+                <a:solidFill>
+                  <a:schemeClr val="accent1"/>
+                </a:solidFill>
+              </a14:hiddenFill>
+            </a:ext>
+            <a:ext uri="{91240B29-F687-4F45-9708-019B960494DF}">
+              <a14:hiddenLine xmlns:a14="http://schemas.microsoft.com/office/drawing/2010/main" w="9525">
+                <a:solidFill>
+                  <a:schemeClr val="tx1"/>
+                </a:solidFill>
+                <a:miter lim="800000"/>
+                <a:headEnd/>
+                <a:tailEnd/>
+              </a14:hiddenLine>
+            </a:ext>
+            <a:ext uri="{AF507438-7753-43E0-B8FC-AC1667EBCBE1}">
+              <a14:hiddenEffects xmlns:a14="http://schemas.microsoft.com/office/drawing/2010/main">
+                <a:effectLst>
+                  <a:outerShdw dist="35921" dir="2700000" algn="ctr" rotWithShape="0">
+                    <a:schemeClr val="bg2"/>
+                  </a:outerShdw>
+                </a:effectLst>
+              </a14:hiddenEffects>
+            </a:ext>
+          </a:extLst>
+        </p:spPr>
+        <p:txBody>
+          <a:bodyPr vert="horz" wrap="square" lIns="91440" tIns="45720" rIns="91440" bIns="45720" numCol="1" anchor="ctr" anchorCtr="0" compatLnSpc="1">
+            <a:prstTxWarp prst="textNoShape">
+              <a:avLst/>
+            </a:prstTxWarp>
+            <a:spAutoFit/>
+          </a:bodyPr>
+          <a:lstStyle/>
+          <a:p>
+            <a:pPr marL="0" marR="0" lvl="0" indent="0" algn="l" defTabSz="914400" rtl="0" eaLnBrk="0" fontAlgn="base" latinLnBrk="0" hangingPunct="0">
+              <a:lnSpc>
+                <a:spcPct val="100000"/>
+              </a:lnSpc>
+              <a:spcBef>
+                <a:spcPct val="0"/>
+              </a:spcBef>
+              <a:spcAft>
+                <a:spcPct val="0"/>
+              </a:spcAft>
+              <a:buClrTx/>
+              <a:buSzTx/>
+              <a:buFontTx/>
+              <a:buNone/>
+              <a:tabLst/>
+            </a:pPr>
+            <a:r>
+              <a:rPr kumimoji="0" lang="en-US" sz="900" b="0" i="1" u="none" strike="noStrike" cap="none" normalizeH="0" baseline="0" dirty="0" smtClean="0">
+                <a:ln>
+                  <a:noFill/>
+                </a:ln>
+                <a:solidFill>
+                  <a:srgbClr val="44546A"/>
+                </a:solidFill>
+                <a:effectLst/>
+                <a:latin typeface="Calibri" panose="020F0502020204030204" pitchFamily="34" charset="0"/>
+                <a:ea typeface="Calibri" panose="020F0502020204030204" pitchFamily="34" charset="0"/>
+                <a:cs typeface="Times New Roman" panose="02020603050405020304" pitchFamily="18" charset="0"/>
+              </a:rPr>
+              <a:t>                                   F</a:t>
+            </a:r>
+            <a:r>
+              <a:rPr kumimoji="0" lang="en-US" sz="900" b="0" i="1" u="none" strike="noStrike" cap="none" normalizeH="0" baseline="0" dirty="0" smtClean="0" bmk="">
+                <a:ln>
+                  <a:noFill/>
+                </a:ln>
+                <a:solidFill>
+                  <a:srgbClr val="44546A"/>
+                </a:solidFill>
+                <a:effectLst/>
+                <a:latin typeface="Calibri" panose="020F0502020204030204" pitchFamily="34" charset="0"/>
+                <a:ea typeface="Calibri" panose="020F0502020204030204" pitchFamily="34" charset="0"/>
+                <a:cs typeface="Times New Roman" panose="02020603050405020304" pitchFamily="18" charset="0"/>
+              </a:rPr>
+              <a:t>igure </a:t>
+            </a:r>
+            <a:r>
+              <a:rPr kumimoji="0" lang="en-US" sz="900" b="0" i="1" u="none" strike="noStrike" cap="none" normalizeH="0" baseline="0" dirty="0" smtClean="0" bmk="_Toc6834582">
+                <a:ln>
+                  <a:noFill/>
+                </a:ln>
+                <a:solidFill>
+                  <a:srgbClr val="44546A"/>
+                </a:solidFill>
+                <a:effectLst/>
+                <a:latin typeface="Calibri" panose="020F0502020204030204" pitchFamily="34" charset="0"/>
+                <a:ea typeface="Calibri" panose="020F0502020204030204" pitchFamily="34" charset="0"/>
+                <a:cs typeface="Times New Roman" panose="02020603050405020304" pitchFamily="18" charset="0"/>
+              </a:rPr>
+              <a:t>47: Admin Login form</a:t>
+            </a:r>
+            <a:endParaRPr kumimoji="0" lang="en-US" sz="800" b="0" i="0" u="none" strike="noStrike" cap="none" normalizeH="0" baseline="0" dirty="0" smtClean="0">
+              <a:ln>
+                <a:noFill/>
+              </a:ln>
+              <a:solidFill>
+                <a:schemeClr val="tx1"/>
+              </a:solidFill>
+              <a:effectLst/>
+            </a:endParaRPr>
+          </a:p>
+          <a:p>
+            <a:pPr marL="0" marR="0" lvl="0" indent="0" algn="l" defTabSz="914400" rtl="0" eaLnBrk="0" fontAlgn="base" latinLnBrk="0" hangingPunct="0">
+              <a:lnSpc>
+                <a:spcPct val="100000"/>
+              </a:lnSpc>
+              <a:spcBef>
+                <a:spcPct val="0"/>
+              </a:spcBef>
+              <a:spcAft>
+                <a:spcPct val="0"/>
+              </a:spcAft>
+              <a:buClrTx/>
+              <a:buSzTx/>
+              <a:buFontTx/>
+              <a:buNone/>
+              <a:tabLst/>
+            </a:pPr>
+            <a:r>
+              <a:rPr kumimoji="0" lang="en-US" sz="1400" b="0" i="0" u="none" strike="noStrike" cap="none" normalizeH="0" baseline="0" dirty="0" smtClean="0">
+                <a:ln>
+                  <a:noFill/>
+                </a:ln>
+                <a:solidFill>
+                  <a:schemeClr val="tx1"/>
+                </a:solidFill>
+                <a:effectLst/>
+                <a:latin typeface="Arial" panose="020B0604020202020204" pitchFamily="34" charset="0"/>
+                <a:ea typeface="Calibri" panose="020F0502020204030204" pitchFamily="34" charset="0"/>
+                <a:cs typeface="Arial" panose="020B0604020202020204" pitchFamily="34" charset="0"/>
+              </a:rPr>
+              <a:t>      </a:t>
+            </a:r>
+            <a:endParaRPr kumimoji="0" lang="en-US" sz="800" b="0" i="0" u="none" strike="noStrike" cap="none" normalizeH="0" baseline="0" dirty="0" smtClean="0">
+              <a:ln>
+                <a:noFill/>
+              </a:ln>
+              <a:solidFill>
+                <a:schemeClr val="tx1"/>
+              </a:solidFill>
+              <a:effectLst/>
+            </a:endParaRPr>
+          </a:p>
+          <a:p>
+            <a:pPr marL="0" marR="0" lvl="0" indent="0" algn="l" defTabSz="914400" rtl="0" eaLnBrk="0" fontAlgn="base" latinLnBrk="0" hangingPunct="0">
+              <a:lnSpc>
+                <a:spcPct val="100000"/>
+              </a:lnSpc>
+              <a:spcBef>
+                <a:spcPct val="0"/>
+              </a:spcBef>
+              <a:spcAft>
+                <a:spcPct val="0"/>
+              </a:spcAft>
+              <a:buClrTx/>
+              <a:buSzTx/>
+              <a:buFontTx/>
+              <a:buNone/>
+              <a:tabLst/>
+            </a:pPr>
+            <a:r>
+              <a:rPr kumimoji="0" lang="en-US" sz="1400" b="0" i="0" u="none" strike="noStrike" cap="none" normalizeH="0" baseline="0" dirty="0" smtClean="0">
+                <a:ln>
+                  <a:noFill/>
+                </a:ln>
+                <a:solidFill>
+                  <a:schemeClr val="tx1"/>
+                </a:solidFill>
+                <a:effectLst/>
+                <a:latin typeface="Arial" panose="020B0604020202020204" pitchFamily="34" charset="0"/>
+                <a:ea typeface="Calibri" panose="020F0502020204030204" pitchFamily="34" charset="0"/>
+                <a:cs typeface="Arial" panose="020B0604020202020204" pitchFamily="34" charset="0"/>
+              </a:rPr>
+              <a:t>After logging select the student icon</a:t>
+            </a:r>
+            <a:endParaRPr kumimoji="0" lang="en-US" sz="1800" b="0" i="0" u="none" strike="noStrike" cap="none" normalizeH="0" baseline="0" dirty="0" smtClean="0">
+              <a:ln>
+                <a:noFill/>
+              </a:ln>
+              <a:solidFill>
+                <a:schemeClr val="tx1"/>
+              </a:solidFill>
+              <a:effectLst/>
+              <a:latin typeface="Arial" panose="020B0604020202020204" pitchFamily="34" charset="0"/>
+            </a:endParaRPr>
+          </a:p>
+        </p:txBody>
+      </p:sp>
+    </p:spTree>
+    <p:extLst>
+      <p:ext uri="{BB962C8B-B14F-4D97-AF65-F5344CB8AC3E}">
+        <p14:creationId xmlns:p14="http://schemas.microsoft.com/office/powerpoint/2010/main" val="1209616999"/>
+      </p:ext>
+    </p:extLst>
+  </p:cSld>
+  <p:clrMapOvr>
+    <a:masterClrMapping/>
+  </p:clrMapOvr>
+</p:sld>
+</file>
+
+<file path=ppt/slides/slide33.xml><?xml version="1.0" encoding="utf-8"?>
+<p:sld xmlns:a="http://schemas.openxmlformats.org/drawingml/2006/main" xmlns:r="http://schemas.openxmlformats.org/officeDocument/2006/relationships" xmlns:p="http://schemas.openxmlformats.org/presentationml/2006/main">
+  <p:cSld>
+    <p:spTree>
+      <p:nvGrpSpPr>
+        <p:cNvPr id="1" name=""/>
+        <p:cNvGrpSpPr/>
+        <p:nvPr/>
+      </p:nvGrpSpPr>
+      <p:grpSpPr>
+        <a:xfrm>
+          <a:off x="0" y="0"/>
+          <a:ext cx="0" cy="0"/>
+          <a:chOff x="0" y="0"/>
+          <a:chExt cx="0" cy="0"/>
+        </a:xfrm>
+      </p:grpSpPr>
+      <p:sp>
+        <p:nvSpPr>
+          <p:cNvPr id="6" name="Rectangle 2"/>
+          <p:cNvSpPr>
+            <a:spLocks noChangeArrowheads="1"/>
+          </p:cNvSpPr>
+          <p:nvPr/>
+        </p:nvSpPr>
+        <p:spPr bwMode="auto">
+          <a:xfrm>
+            <a:off x="0" y="0"/>
+            <a:ext cx="12192000" cy="457200"/>
+          </a:xfrm>
+          <a:prstGeom prst="rect">
+            <a:avLst/>
+          </a:prstGeom>
+          <a:noFill/>
+          <a:ln>
+            <a:noFill/>
+          </a:ln>
+          <a:effectLst/>
+          <a:extLst>
+            <a:ext uri="{909E8E84-426E-40DD-AFC4-6F175D3DCCD1}">
+              <a14:hiddenFill xmlns:a14="http://schemas.microsoft.com/office/drawing/2010/main">
+                <a:solidFill>
+                  <a:schemeClr val="accent1"/>
+                </a:solidFill>
+              </a14:hiddenFill>
+            </a:ext>
+            <a:ext uri="{91240B29-F687-4F45-9708-019B960494DF}">
+              <a14:hiddenLine xmlns:a14="http://schemas.microsoft.com/office/drawing/2010/main" w="9525">
+                <a:solidFill>
+                  <a:schemeClr val="tx1"/>
+                </a:solidFill>
+                <a:miter lim="800000"/>
+                <a:headEnd/>
+                <a:tailEnd/>
+              </a14:hiddenLine>
+            </a:ext>
+            <a:ext uri="{AF507438-7753-43E0-B8FC-AC1667EBCBE1}">
+              <a14:hiddenEffects xmlns:a14="http://schemas.microsoft.com/office/drawing/2010/main">
+                <a:effectLst>
+                  <a:outerShdw dist="35921" dir="2700000" algn="ctr" rotWithShape="0">
+                    <a:schemeClr val="bg2"/>
+                  </a:outerShdw>
+                </a:effectLst>
+              </a14:hiddenEffects>
+            </a:ext>
+          </a:extLst>
+        </p:spPr>
+        <p:txBody>
+          <a:bodyPr vert="horz" wrap="none" lIns="91440" tIns="45720" rIns="91440" bIns="45720" numCol="1" anchor="ctr" anchorCtr="0" compatLnSpc="1">
+            <a:prstTxWarp prst="textNoShape">
+              <a:avLst/>
+            </a:prstTxWarp>
+            <a:spAutoFit/>
+          </a:bodyPr>
+          <a:lstStyle/>
+          <a:p>
+            <a:endParaRPr lang="en-US"/>
+          </a:p>
+        </p:txBody>
+      </p:sp>
+      <p:pic>
+        <p:nvPicPr>
+          <p:cNvPr id="7169" name="Picture 52"/>
+          <p:cNvPicPr>
+            <a:picLocks noChangeAspect="1" noChangeArrowheads="1"/>
+          </p:cNvPicPr>
+          <p:nvPr/>
+        </p:nvPicPr>
+        <p:blipFill>
+          <a:blip r:embed="rId2">
+            <a:extLst>
+              <a:ext uri="{28A0092B-C50C-407E-A947-70E740481C1C}">
+                <a14:useLocalDpi xmlns:a14="http://schemas.microsoft.com/office/drawing/2010/main" val="0"/>
+              </a:ext>
+            </a:extLst>
+          </a:blip>
+          <a:srcRect/>
+          <a:stretch>
+            <a:fillRect/>
+          </a:stretch>
+        </p:blipFill>
+        <p:spPr bwMode="auto">
+          <a:xfrm>
+            <a:off x="103188" y="55563"/>
+            <a:ext cx="6675438" cy="3360738"/>
+          </a:xfrm>
+          <a:prstGeom prst="rect">
+            <a:avLst/>
+          </a:prstGeom>
+          <a:noFill/>
+          <a:extLst>
+            <a:ext uri="{909E8E84-426E-40DD-AFC4-6F175D3DCCD1}">
+              <a14:hiddenFill xmlns:a14="http://schemas.microsoft.com/office/drawing/2010/main">
+                <a:solidFill>
+                  <a:srgbClr val="FFFFFF"/>
+                </a:solidFill>
+              </a14:hiddenFill>
+            </a:ext>
+          </a:extLst>
+        </p:spPr>
+      </p:pic>
+      <p:sp>
+        <p:nvSpPr>
+          <p:cNvPr id="7" name="Rectangle 3"/>
+          <p:cNvSpPr>
+            <a:spLocks noChangeArrowheads="1"/>
+          </p:cNvSpPr>
+          <p:nvPr/>
+        </p:nvSpPr>
+        <p:spPr bwMode="auto">
+          <a:xfrm>
+            <a:off x="-103367" y="3452610"/>
+            <a:ext cx="12192000" cy="457200"/>
+          </a:xfrm>
+          <a:prstGeom prst="rect">
+            <a:avLst/>
+          </a:prstGeom>
+          <a:noFill/>
+          <a:ln>
+            <a:noFill/>
+          </a:ln>
+          <a:effectLst/>
+          <a:extLst>
+            <a:ext uri="{909E8E84-426E-40DD-AFC4-6F175D3DCCD1}">
+              <a14:hiddenFill xmlns:a14="http://schemas.microsoft.com/office/drawing/2010/main">
+                <a:solidFill>
+                  <a:schemeClr val="accent1"/>
+                </a:solidFill>
+              </a14:hiddenFill>
+            </a:ext>
+            <a:ext uri="{91240B29-F687-4F45-9708-019B960494DF}">
+              <a14:hiddenLine xmlns:a14="http://schemas.microsoft.com/office/drawing/2010/main" w="9525">
+                <a:solidFill>
+                  <a:schemeClr val="tx1"/>
+                </a:solidFill>
+                <a:miter lim="800000"/>
+                <a:headEnd/>
+                <a:tailEnd/>
+              </a14:hiddenLine>
+            </a:ext>
+            <a:ext uri="{AF507438-7753-43E0-B8FC-AC1667EBCBE1}">
+              <a14:hiddenEffects xmlns:a14="http://schemas.microsoft.com/office/drawing/2010/main">
+                <a:effectLst>
+                  <a:outerShdw dist="35921" dir="2700000" algn="ctr" rotWithShape="0">
+                    <a:schemeClr val="bg2"/>
+                  </a:outerShdw>
+                </a:effectLst>
+              </a14:hiddenEffects>
+            </a:ext>
+          </a:extLst>
+        </p:spPr>
+        <p:txBody>
+          <a:bodyPr vert="horz" wrap="none" lIns="91440" tIns="45720" rIns="91440" bIns="45720" numCol="1" anchor="ctr" anchorCtr="0" compatLnSpc="1">
+            <a:prstTxWarp prst="textNoShape">
+              <a:avLst/>
+            </a:prstTxWarp>
+            <a:spAutoFit/>
+          </a:bodyPr>
+          <a:lstStyle/>
+          <a:p>
+            <a:pPr marL="0" marR="0" lvl="0" indent="0" algn="l" defTabSz="914400" rtl="0" eaLnBrk="0" fontAlgn="base" latinLnBrk="0" hangingPunct="0">
+              <a:lnSpc>
+                <a:spcPct val="100000"/>
+              </a:lnSpc>
+              <a:spcBef>
+                <a:spcPct val="0"/>
+              </a:spcBef>
+              <a:spcAft>
+                <a:spcPct val="0"/>
+              </a:spcAft>
+              <a:buClrTx/>
+              <a:buSzTx/>
+              <a:buFontTx/>
+              <a:buNone/>
+              <a:tabLst/>
+            </a:pPr>
+            <a:r>
+              <a:rPr kumimoji="0" lang="en-US" sz="900" b="0" i="1" u="none" strike="noStrike" cap="none" normalizeH="0" baseline="0" smtClean="0">
+                <a:ln>
+                  <a:noFill/>
+                </a:ln>
+                <a:solidFill>
+                  <a:srgbClr val="44546A"/>
+                </a:solidFill>
+                <a:effectLst/>
+                <a:latin typeface="Calibri" panose="020F0502020204030204" pitchFamily="34" charset="0"/>
+                <a:ea typeface="Calibri" panose="020F0502020204030204" pitchFamily="34" charset="0"/>
+                <a:cs typeface="Times New Roman" panose="02020603050405020304" pitchFamily="18" charset="0"/>
+              </a:rPr>
+              <a:t>                                                                        F</a:t>
+            </a:r>
+            <a:r>
+              <a:rPr kumimoji="0" lang="en-US" sz="900" b="0" i="1" u="none" strike="noStrike" cap="none" normalizeH="0" baseline="0" smtClean="0" bmk="">
+                <a:ln>
+                  <a:noFill/>
+                </a:ln>
+                <a:solidFill>
+                  <a:srgbClr val="44546A"/>
+                </a:solidFill>
+                <a:effectLst/>
+                <a:latin typeface="Calibri" panose="020F0502020204030204" pitchFamily="34" charset="0"/>
+                <a:ea typeface="Calibri" panose="020F0502020204030204" pitchFamily="34" charset="0"/>
+                <a:cs typeface="Times New Roman" panose="02020603050405020304" pitchFamily="18" charset="0"/>
+              </a:rPr>
+              <a:t>igure </a:t>
+            </a:r>
+            <a:r>
+              <a:rPr kumimoji="0" lang="en-US" sz="900" b="0" i="1" u="none" strike="noStrike" cap="none" normalizeH="0" baseline="0" smtClean="0" bmk="_Toc6834583">
+                <a:ln>
+                  <a:noFill/>
+                </a:ln>
+                <a:solidFill>
+                  <a:srgbClr val="44546A"/>
+                </a:solidFill>
+                <a:effectLst/>
+                <a:latin typeface="Calibri" panose="020F0502020204030204" pitchFamily="34" charset="0"/>
+                <a:ea typeface="Calibri" panose="020F0502020204030204" pitchFamily="34" charset="0"/>
+                <a:cs typeface="Times New Roman" panose="02020603050405020304" pitchFamily="18" charset="0"/>
+              </a:rPr>
+              <a:t>48: Dashboard of Admin</a:t>
+            </a:r>
+            <a:endParaRPr kumimoji="0" lang="en-US" sz="1800" b="0" i="0" u="none" strike="noStrike" cap="none" normalizeH="0" baseline="0" smtClean="0">
+              <a:ln>
+                <a:noFill/>
+              </a:ln>
+              <a:solidFill>
+                <a:schemeClr val="tx1"/>
+              </a:solidFill>
+              <a:effectLst/>
+              <a:latin typeface="Arial" panose="020B0604020202020204" pitchFamily="34" charset="0"/>
+            </a:endParaRPr>
+          </a:p>
+        </p:txBody>
+      </p:sp>
+      <p:sp>
+        <p:nvSpPr>
+          <p:cNvPr id="8" name="Rectangle 5"/>
+          <p:cNvSpPr>
+            <a:spLocks noChangeArrowheads="1"/>
+          </p:cNvSpPr>
+          <p:nvPr/>
+        </p:nvSpPr>
+        <p:spPr bwMode="auto">
+          <a:xfrm>
+            <a:off x="6861976" y="1390189"/>
+            <a:ext cx="8462838" cy="800219"/>
+          </a:xfrm>
+          <a:prstGeom prst="rect">
+            <a:avLst/>
+          </a:prstGeom>
+          <a:noFill/>
+          <a:ln>
+            <a:noFill/>
+          </a:ln>
+          <a:effectLst/>
+          <a:extLst>
+            <a:ext uri="{909E8E84-426E-40DD-AFC4-6F175D3DCCD1}">
+              <a14:hiddenFill xmlns:a14="http://schemas.microsoft.com/office/drawing/2010/main">
+                <a:solidFill>
+                  <a:schemeClr val="accent1"/>
+                </a:solidFill>
+              </a14:hiddenFill>
+            </a:ext>
+            <a:ext uri="{91240B29-F687-4F45-9708-019B960494DF}">
+              <a14:hiddenLine xmlns:a14="http://schemas.microsoft.com/office/drawing/2010/main" w="9525">
+                <a:solidFill>
+                  <a:schemeClr val="tx1"/>
+                </a:solidFill>
+                <a:miter lim="800000"/>
+                <a:headEnd/>
+                <a:tailEnd/>
+              </a14:hiddenLine>
+            </a:ext>
+            <a:ext uri="{AF507438-7753-43E0-B8FC-AC1667EBCBE1}">
+              <a14:hiddenEffects xmlns:a14="http://schemas.microsoft.com/office/drawing/2010/main">
+                <a:effectLst>
+                  <a:outerShdw dist="35921" dir="2700000" algn="ctr" rotWithShape="0">
+                    <a:schemeClr val="bg2"/>
+                  </a:outerShdw>
+                </a:effectLst>
+              </a14:hiddenEffects>
+            </a:ext>
+          </a:extLst>
+        </p:spPr>
+        <p:txBody>
+          <a:bodyPr vert="horz" wrap="square" lIns="91440" tIns="45720" rIns="91440" bIns="45720" numCol="1" anchor="ctr" anchorCtr="0" compatLnSpc="1">
+            <a:prstTxWarp prst="textNoShape">
+              <a:avLst/>
+            </a:prstTxWarp>
+            <a:spAutoFit/>
+          </a:bodyPr>
+          <a:lstStyle/>
+          <a:p>
+            <a:pPr marL="0" marR="0" lvl="0" indent="0" algn="l" defTabSz="914400" rtl="0" eaLnBrk="0" fontAlgn="base" latinLnBrk="0" hangingPunct="0">
+              <a:lnSpc>
+                <a:spcPct val="100000"/>
+              </a:lnSpc>
+              <a:spcBef>
+                <a:spcPct val="0"/>
+              </a:spcBef>
+              <a:spcAft>
+                <a:spcPct val="0"/>
+              </a:spcAft>
+              <a:buClrTx/>
+              <a:buSzTx/>
+              <a:buFontTx/>
+              <a:buNone/>
+              <a:tabLst/>
+            </a:pPr>
+            <a:r>
+              <a:rPr kumimoji="0" lang="en-US" sz="1400" b="0" i="0" u="none" strike="noStrike" cap="none" normalizeH="0" baseline="0" dirty="0" smtClean="0">
+                <a:ln>
+                  <a:noFill/>
+                </a:ln>
+                <a:solidFill>
+                  <a:schemeClr val="tx1"/>
+                </a:solidFill>
+                <a:effectLst/>
+                <a:latin typeface="Arial" panose="020B0604020202020204" pitchFamily="34" charset="0"/>
+                <a:ea typeface="Calibri" panose="020F0502020204030204" pitchFamily="34" charset="0"/>
+                <a:cs typeface="Arial" panose="020B0604020202020204" pitchFamily="34" charset="0"/>
+              </a:rPr>
+              <a:t>Then choose student to be modified</a:t>
+            </a:r>
+            <a:endParaRPr kumimoji="0" lang="en-US" sz="800" b="0" i="0" u="none" strike="noStrike" cap="none" normalizeH="0" baseline="0" dirty="0" smtClean="0">
+              <a:ln>
+                <a:noFill/>
+              </a:ln>
+              <a:solidFill>
+                <a:schemeClr val="tx1"/>
+              </a:solidFill>
+              <a:effectLst/>
+            </a:endParaRPr>
+          </a:p>
+          <a:p>
+            <a:pPr marL="0" marR="0" lvl="0" indent="0" algn="l" defTabSz="914400" rtl="0" eaLnBrk="0" fontAlgn="base" latinLnBrk="0" hangingPunct="0">
+              <a:lnSpc>
+                <a:spcPct val="100000"/>
+              </a:lnSpc>
+              <a:spcBef>
+                <a:spcPct val="0"/>
+              </a:spcBef>
+              <a:spcAft>
+                <a:spcPct val="0"/>
+              </a:spcAft>
+              <a:buClrTx/>
+              <a:buSzTx/>
+              <a:buFontTx/>
+              <a:buNone/>
+              <a:tabLst/>
+            </a:pPr>
+            <a:r>
+              <a:rPr kumimoji="0" lang="en-US" sz="1400" b="0" i="0" u="none" strike="noStrike" cap="none" normalizeH="0" baseline="0" dirty="0" smtClean="0">
+                <a:ln>
+                  <a:noFill/>
+                </a:ln>
+                <a:solidFill>
+                  <a:schemeClr val="tx1"/>
+                </a:solidFill>
+                <a:effectLst/>
+                <a:latin typeface="Arial" panose="020B0604020202020204" pitchFamily="34" charset="0"/>
+                <a:ea typeface="Calibri" panose="020F0502020204030204" pitchFamily="34" charset="0"/>
+                <a:cs typeface="Arial" panose="020B0604020202020204" pitchFamily="34" charset="0"/>
+              </a:rPr>
+              <a:t>let's change the name of student named as Maya Tamang</a:t>
+            </a:r>
+            <a:endParaRPr kumimoji="0" lang="en-US" sz="800" b="0" i="0" u="none" strike="noStrike" cap="none" normalizeH="0" baseline="0" dirty="0" smtClean="0">
+              <a:ln>
+                <a:noFill/>
+              </a:ln>
+              <a:solidFill>
+                <a:schemeClr val="tx1"/>
+              </a:solidFill>
+              <a:effectLst/>
+            </a:endParaRPr>
+          </a:p>
+          <a:p>
+            <a:pPr marL="0" marR="0" lvl="0" indent="0" algn="l" defTabSz="914400" rtl="0" eaLnBrk="0" fontAlgn="base" latinLnBrk="0" hangingPunct="0">
+              <a:lnSpc>
+                <a:spcPct val="100000"/>
+              </a:lnSpc>
+              <a:spcBef>
+                <a:spcPct val="0"/>
+              </a:spcBef>
+              <a:spcAft>
+                <a:spcPct val="0"/>
+              </a:spcAft>
+              <a:buClrTx/>
+              <a:buSzTx/>
+              <a:buFontTx/>
+              <a:buNone/>
+              <a:tabLst/>
+            </a:pPr>
+            <a:endParaRPr kumimoji="0" lang="en-US" sz="1800" b="0" i="0" u="none" strike="noStrike" cap="none" normalizeH="0" baseline="0" dirty="0" smtClean="0">
+              <a:ln>
+                <a:noFill/>
+              </a:ln>
+              <a:solidFill>
+                <a:schemeClr val="tx1"/>
+              </a:solidFill>
+              <a:effectLst/>
+              <a:latin typeface="Arial" panose="020B0604020202020204" pitchFamily="34" charset="0"/>
+            </a:endParaRPr>
+          </a:p>
+        </p:txBody>
+      </p:sp>
+      <p:pic>
+        <p:nvPicPr>
+          <p:cNvPr id="7172" name="Picture 173"/>
+          <p:cNvPicPr>
+            <a:picLocks noChangeAspect="1" noChangeArrowheads="1"/>
+          </p:cNvPicPr>
+          <p:nvPr/>
+        </p:nvPicPr>
+        <p:blipFill>
+          <a:blip r:embed="rId3">
+            <a:extLst>
+              <a:ext uri="{28A0092B-C50C-407E-A947-70E740481C1C}">
+                <a14:useLocalDpi xmlns:a14="http://schemas.microsoft.com/office/drawing/2010/main" val="0"/>
+              </a:ext>
+            </a:extLst>
+          </a:blip>
+          <a:srcRect/>
+          <a:stretch>
+            <a:fillRect/>
+          </a:stretch>
+        </p:blipFill>
+        <p:spPr bwMode="auto">
+          <a:xfrm>
+            <a:off x="5650131" y="4117455"/>
+            <a:ext cx="6017679" cy="1889993"/>
+          </a:xfrm>
+          <a:prstGeom prst="rect">
+            <a:avLst/>
+          </a:prstGeom>
+          <a:noFill/>
+          <a:extLst>
+            <a:ext uri="{909E8E84-426E-40DD-AFC4-6F175D3DCCD1}">
+              <a14:hiddenFill xmlns:a14="http://schemas.microsoft.com/office/drawing/2010/main">
+                <a:solidFill>
+                  <a:srgbClr val="FFFFFF"/>
+                </a:solidFill>
+              </a14:hiddenFill>
+            </a:ext>
+          </a:extLst>
+        </p:spPr>
+      </p:pic>
+      <p:sp>
+        <p:nvSpPr>
+          <p:cNvPr id="9" name="Rectangle 6"/>
+          <p:cNvSpPr>
+            <a:spLocks noChangeArrowheads="1"/>
+          </p:cNvSpPr>
+          <p:nvPr/>
+        </p:nvSpPr>
+        <p:spPr bwMode="auto">
+          <a:xfrm>
+            <a:off x="6096000" y="6215093"/>
+            <a:ext cx="11080262" cy="507831"/>
+          </a:xfrm>
+          <a:prstGeom prst="rect">
+            <a:avLst/>
+          </a:prstGeom>
+          <a:noFill/>
+          <a:ln>
+            <a:noFill/>
+          </a:ln>
+          <a:effectLst/>
+          <a:extLst>
+            <a:ext uri="{909E8E84-426E-40DD-AFC4-6F175D3DCCD1}">
+              <a14:hiddenFill xmlns:a14="http://schemas.microsoft.com/office/drawing/2010/main">
+                <a:solidFill>
+                  <a:schemeClr val="accent1"/>
+                </a:solidFill>
+              </a14:hiddenFill>
+            </a:ext>
+            <a:ext uri="{91240B29-F687-4F45-9708-019B960494DF}">
+              <a14:hiddenLine xmlns:a14="http://schemas.microsoft.com/office/drawing/2010/main" w="9525">
+                <a:solidFill>
+                  <a:schemeClr val="tx1"/>
+                </a:solidFill>
+                <a:miter lim="800000"/>
+                <a:headEnd/>
+                <a:tailEnd/>
+              </a14:hiddenLine>
+            </a:ext>
+            <a:ext uri="{AF507438-7753-43E0-B8FC-AC1667EBCBE1}">
+              <a14:hiddenEffects xmlns:a14="http://schemas.microsoft.com/office/drawing/2010/main">
+                <a:effectLst>
+                  <a:outerShdw dist="35921" dir="2700000" algn="ctr" rotWithShape="0">
+                    <a:schemeClr val="bg2"/>
+                  </a:outerShdw>
+                </a:effectLst>
+              </a14:hiddenEffects>
+            </a:ext>
+          </a:extLst>
+        </p:spPr>
+        <p:txBody>
+          <a:bodyPr vert="horz" wrap="square" lIns="91440" tIns="45720" rIns="91440" bIns="45720" numCol="1" anchor="ctr" anchorCtr="0" compatLnSpc="1">
+            <a:prstTxWarp prst="textNoShape">
+              <a:avLst/>
+            </a:prstTxWarp>
+            <a:spAutoFit/>
+          </a:bodyPr>
+          <a:lstStyle/>
+          <a:p>
+            <a:pPr marL="0" marR="0" lvl="0" indent="0" algn="l" defTabSz="914400" rtl="0" eaLnBrk="0" fontAlgn="base" latinLnBrk="0" hangingPunct="0">
+              <a:lnSpc>
+                <a:spcPct val="100000"/>
+              </a:lnSpc>
+              <a:spcBef>
+                <a:spcPct val="0"/>
+              </a:spcBef>
+              <a:spcAft>
+                <a:spcPct val="0"/>
+              </a:spcAft>
+              <a:buClrTx/>
+              <a:buSzTx/>
+              <a:buFontTx/>
+              <a:buNone/>
+              <a:tabLst/>
+            </a:pPr>
+            <a:r>
+              <a:rPr kumimoji="0" lang="en-US" sz="900" b="0" i="1" u="none" strike="noStrike" cap="none" normalizeH="0" baseline="0" dirty="0" smtClean="0">
+                <a:ln>
+                  <a:noFill/>
+                </a:ln>
+                <a:solidFill>
+                  <a:srgbClr val="44546A"/>
+                </a:solidFill>
+                <a:effectLst/>
+                <a:latin typeface="Calibri" panose="020F0502020204030204" pitchFamily="34" charset="0"/>
+                <a:ea typeface="Calibri" panose="020F0502020204030204" pitchFamily="34" charset="0"/>
+                <a:cs typeface="Times New Roman" panose="02020603050405020304" pitchFamily="18" charset="0"/>
+              </a:rPr>
+              <a:t>                                                       F</a:t>
+            </a:r>
+            <a:r>
+              <a:rPr kumimoji="0" lang="en-US" sz="900" b="0" i="1" u="none" strike="noStrike" cap="none" normalizeH="0" baseline="0" dirty="0" smtClean="0" bmk="">
+                <a:ln>
+                  <a:noFill/>
+                </a:ln>
+                <a:solidFill>
+                  <a:srgbClr val="44546A"/>
+                </a:solidFill>
+                <a:effectLst/>
+                <a:latin typeface="Calibri" panose="020F0502020204030204" pitchFamily="34" charset="0"/>
+                <a:ea typeface="Calibri" panose="020F0502020204030204" pitchFamily="34" charset="0"/>
+                <a:cs typeface="Times New Roman" panose="02020603050405020304" pitchFamily="18" charset="0"/>
+              </a:rPr>
+              <a:t>igure </a:t>
+            </a:r>
+            <a:r>
+              <a:rPr kumimoji="0" lang="en-US" sz="900" b="0" i="1" u="none" strike="noStrike" cap="none" normalizeH="0" baseline="0" dirty="0" smtClean="0" bmk="_Toc6834584">
+                <a:ln>
+                  <a:noFill/>
+                </a:ln>
+                <a:solidFill>
+                  <a:srgbClr val="44546A"/>
+                </a:solidFill>
+                <a:effectLst/>
+                <a:latin typeface="Calibri" panose="020F0502020204030204" pitchFamily="34" charset="0"/>
+                <a:ea typeface="Calibri" panose="020F0502020204030204" pitchFamily="34" charset="0"/>
+                <a:cs typeface="Times New Roman" panose="02020603050405020304" pitchFamily="18" charset="0"/>
+              </a:rPr>
+              <a:t>49:  student name before changing</a:t>
+            </a:r>
+            <a:endParaRPr kumimoji="0" lang="en-US" sz="800" b="0" i="0" u="none" strike="noStrike" cap="none" normalizeH="0" baseline="0" dirty="0" smtClean="0">
+              <a:ln>
+                <a:noFill/>
+              </a:ln>
+              <a:solidFill>
+                <a:schemeClr val="tx1"/>
+              </a:solidFill>
+              <a:effectLst/>
+            </a:endParaRPr>
+          </a:p>
+          <a:p>
+            <a:pPr marL="0" marR="0" lvl="0" indent="0" algn="l" defTabSz="914400" rtl="0" eaLnBrk="0" fontAlgn="base" latinLnBrk="0" hangingPunct="0">
+              <a:lnSpc>
+                <a:spcPct val="100000"/>
+              </a:lnSpc>
+              <a:spcBef>
+                <a:spcPct val="0"/>
+              </a:spcBef>
+              <a:spcAft>
+                <a:spcPct val="0"/>
+              </a:spcAft>
+              <a:buClrTx/>
+              <a:buSzTx/>
+              <a:buFontTx/>
+              <a:buNone/>
+              <a:tabLst/>
+            </a:pPr>
+            <a:endParaRPr kumimoji="0" lang="en-US" sz="1800" b="0" i="0" u="none" strike="noStrike" cap="none" normalizeH="0" baseline="0" dirty="0" smtClean="0">
+              <a:ln>
+                <a:noFill/>
+              </a:ln>
+              <a:solidFill>
+                <a:schemeClr val="tx1"/>
+              </a:solidFill>
+              <a:effectLst/>
+              <a:latin typeface="Arial" panose="020B0604020202020204" pitchFamily="34" charset="0"/>
+            </a:endParaRPr>
+          </a:p>
+        </p:txBody>
+      </p:sp>
+    </p:spTree>
+    <p:extLst>
+      <p:ext uri="{BB962C8B-B14F-4D97-AF65-F5344CB8AC3E}">
+        <p14:creationId xmlns:p14="http://schemas.microsoft.com/office/powerpoint/2010/main" val="1693317957"/>
+      </p:ext>
+    </p:extLst>
+  </p:cSld>
+  <p:clrMapOvr>
+    <a:masterClrMapping/>
+  </p:clrMapOvr>
+</p:sld>
+</file>
+
+<file path=ppt/slides/slide34.xml><?xml version="1.0" encoding="utf-8"?>
+<p:sld xmlns:a="http://schemas.openxmlformats.org/drawingml/2006/main" xmlns:r="http://schemas.openxmlformats.org/officeDocument/2006/relationships" xmlns:p="http://schemas.openxmlformats.org/presentationml/2006/main">
+  <p:cSld>
+    <p:spTree>
+      <p:nvGrpSpPr>
+        <p:cNvPr id="1" name=""/>
+        <p:cNvGrpSpPr/>
+        <p:nvPr/>
+      </p:nvGrpSpPr>
+      <p:grpSpPr>
+        <a:xfrm>
+          <a:off x="0" y="0"/>
+          <a:ext cx="0" cy="0"/>
+          <a:chOff x="0" y="0"/>
+          <a:chExt cx="0" cy="0"/>
+        </a:xfrm>
+      </p:grpSpPr>
+      <p:sp>
+        <p:nvSpPr>
+          <p:cNvPr id="4" name="Content Placeholder 2"/>
+          <p:cNvSpPr>
+            <a:spLocks noGrp="1"/>
+          </p:cNvSpPr>
+          <p:nvPr>
+            <p:ph idx="1"/>
+          </p:nvPr>
+        </p:nvSpPr>
+        <p:spPr>
+          <a:xfrm>
+            <a:off x="55659" y="0"/>
+            <a:ext cx="11298141" cy="6858000"/>
+          </a:xfrm>
+        </p:spPr>
+        <p:txBody>
+          <a:bodyPr/>
+          <a:lstStyle/>
+          <a:p>
+            <a:r>
+              <a:rPr lang="en-US" dirty="0"/>
+              <a:t>Then change the name and click to button Edit student</a:t>
+            </a:r>
+          </a:p>
+          <a:p>
+            <a:endParaRPr lang="en-US" dirty="0"/>
+          </a:p>
+        </p:txBody>
+      </p:sp>
+      <p:pic>
+        <p:nvPicPr>
+          <p:cNvPr id="5" name="Picture 4"/>
+          <p:cNvPicPr/>
+          <p:nvPr/>
+        </p:nvPicPr>
+        <p:blipFill>
+          <a:blip r:embed="rId2">
+            <a:extLst>
+              <a:ext uri="{28A0092B-C50C-407E-A947-70E740481C1C}">
+                <a14:useLocalDpi xmlns:a14="http://schemas.microsoft.com/office/drawing/2010/main" val="0"/>
+              </a:ext>
+            </a:extLst>
+          </a:blip>
+          <a:stretch>
+            <a:fillRect/>
+          </a:stretch>
+        </p:blipFill>
+        <p:spPr>
+          <a:xfrm>
+            <a:off x="131363" y="504080"/>
+            <a:ext cx="5299378" cy="4259580"/>
+          </a:xfrm>
+          <a:prstGeom prst="rect">
+            <a:avLst/>
+          </a:prstGeom>
+        </p:spPr>
+      </p:pic>
+      <p:sp>
+        <p:nvSpPr>
+          <p:cNvPr id="6" name="Rectangle 5"/>
+          <p:cNvSpPr/>
+          <p:nvPr/>
+        </p:nvSpPr>
+        <p:spPr>
+          <a:xfrm>
+            <a:off x="620202" y="6338634"/>
+            <a:ext cx="3100112" cy="369332"/>
+          </a:xfrm>
+          <a:prstGeom prst="rect">
+            <a:avLst/>
+          </a:prstGeom>
+        </p:spPr>
+        <p:txBody>
+          <a:bodyPr wrap="square">
+            <a:spAutoFit/>
+          </a:bodyPr>
+          <a:lstStyle/>
+          <a:p>
+            <a:r>
+              <a:rPr lang="en-US" dirty="0" smtClean="0">
+                <a:latin typeface="Calibri" panose="020F0502020204030204" pitchFamily="34" charset="0"/>
+                <a:ea typeface="Calibri" panose="020F0502020204030204" pitchFamily="34" charset="0"/>
+                <a:cs typeface="Times New Roman" panose="02020603050405020304" pitchFamily="18" charset="0"/>
+              </a:rPr>
+              <a:t>Figure: </a:t>
+            </a:r>
+            <a:r>
+              <a:rPr lang="en-US" dirty="0">
+                <a:latin typeface="Calibri" panose="020F0502020204030204" pitchFamily="34" charset="0"/>
+                <a:ea typeface="Calibri" panose="020F0502020204030204" pitchFamily="34" charset="0"/>
+                <a:cs typeface="Times New Roman" panose="02020603050405020304" pitchFamily="18" charset="0"/>
+              </a:rPr>
+              <a:t>Student name renamed</a:t>
+            </a:r>
+            <a:endParaRPr lang="en-US" dirty="0"/>
+          </a:p>
+        </p:txBody>
+      </p:sp>
+      <p:pic>
+        <p:nvPicPr>
+          <p:cNvPr id="7" name="Picture 6"/>
+          <p:cNvPicPr/>
+          <p:nvPr/>
+        </p:nvPicPr>
+        <p:blipFill>
+          <a:blip r:embed="rId3">
+            <a:extLst>
+              <a:ext uri="{28A0092B-C50C-407E-A947-70E740481C1C}">
+                <a14:useLocalDpi xmlns:a14="http://schemas.microsoft.com/office/drawing/2010/main" val="0"/>
+              </a:ext>
+            </a:extLst>
+          </a:blip>
+          <a:stretch>
+            <a:fillRect/>
+          </a:stretch>
+        </p:blipFill>
+        <p:spPr>
+          <a:xfrm>
+            <a:off x="131363" y="4763660"/>
+            <a:ext cx="5299378" cy="1424940"/>
+          </a:xfrm>
+          <a:prstGeom prst="rect">
+            <a:avLst/>
+          </a:prstGeom>
+        </p:spPr>
+      </p:pic>
+      <p:sp>
+        <p:nvSpPr>
+          <p:cNvPr id="8" name="Rectangle 7"/>
+          <p:cNvSpPr/>
+          <p:nvPr/>
+        </p:nvSpPr>
+        <p:spPr>
+          <a:xfrm flipH="1">
+            <a:off x="5931671" y="715617"/>
+            <a:ext cx="3164620" cy="981423"/>
+          </a:xfrm>
+          <a:prstGeom prst="rect">
+            <a:avLst/>
+          </a:prstGeom>
+        </p:spPr>
+        <p:txBody>
+          <a:bodyPr wrap="square">
+            <a:spAutoFit/>
+          </a:bodyPr>
+          <a:lstStyle/>
+          <a:p>
+            <a:pPr>
+              <a:lnSpc>
+                <a:spcPct val="107000"/>
+              </a:lnSpc>
+              <a:spcAft>
+                <a:spcPts val="800"/>
+              </a:spcAft>
+            </a:pPr>
+            <a:r>
+              <a:rPr lang="en-US" dirty="0" smtClean="0">
+                <a:latin typeface="Arial" panose="020B0604020202020204" pitchFamily="34" charset="0"/>
+                <a:ea typeface="Calibri" panose="020F0502020204030204" pitchFamily="34" charset="0"/>
+                <a:cs typeface="Times New Roman" panose="02020603050405020304" pitchFamily="18" charset="0"/>
+              </a:rPr>
+              <a:t>After edition of the student, there comes a message box which is displayed below</a:t>
+            </a:r>
+            <a:endParaRPr lang="en-US" sz="1400" dirty="0">
+              <a:effectLst/>
+              <a:latin typeface="Calibri" panose="020F0502020204030204" pitchFamily="34" charset="0"/>
+              <a:ea typeface="Calibri" panose="020F0502020204030204" pitchFamily="34" charset="0"/>
+              <a:cs typeface="Times New Roman" panose="02020603050405020304" pitchFamily="18" charset="0"/>
+            </a:endParaRPr>
+          </a:p>
+        </p:txBody>
+      </p:sp>
+      <p:pic>
+        <p:nvPicPr>
+          <p:cNvPr id="9" name="Picture 8"/>
+          <p:cNvPicPr/>
+          <p:nvPr/>
+        </p:nvPicPr>
+        <p:blipFill>
+          <a:blip r:embed="rId4">
+            <a:extLst>
+              <a:ext uri="{28A0092B-C50C-407E-A947-70E740481C1C}">
+                <a14:useLocalDpi xmlns:a14="http://schemas.microsoft.com/office/drawing/2010/main" val="0"/>
+              </a:ext>
+            </a:extLst>
+          </a:blip>
+          <a:stretch>
+            <a:fillRect/>
+          </a:stretch>
+        </p:blipFill>
+        <p:spPr>
+          <a:xfrm>
+            <a:off x="6138571" y="1776454"/>
+            <a:ext cx="2750820" cy="792480"/>
+          </a:xfrm>
+          <a:prstGeom prst="rect">
+            <a:avLst/>
+          </a:prstGeom>
+        </p:spPr>
+      </p:pic>
+      <p:sp>
+        <p:nvSpPr>
+          <p:cNvPr id="10" name="Rectangle 9"/>
+          <p:cNvSpPr/>
+          <p:nvPr/>
+        </p:nvSpPr>
+        <p:spPr>
+          <a:xfrm>
+            <a:off x="6035519" y="2648348"/>
+            <a:ext cx="4260141" cy="369332"/>
+          </a:xfrm>
+          <a:prstGeom prst="rect">
+            <a:avLst/>
+          </a:prstGeom>
+        </p:spPr>
+        <p:txBody>
+          <a:bodyPr wrap="none">
+            <a:spAutoFit/>
+          </a:bodyPr>
+          <a:lstStyle/>
+          <a:p>
+            <a:pPr>
+              <a:spcAft>
+                <a:spcPts val="1000"/>
+              </a:spcAft>
+            </a:pPr>
+            <a:r>
+              <a:rPr lang="en-US" i="1" dirty="0">
+                <a:solidFill>
+                  <a:srgbClr val="44546A"/>
+                </a:solidFill>
+                <a:latin typeface="Calibri" panose="020F0502020204030204" pitchFamily="34" charset="0"/>
+                <a:ea typeface="Calibri" panose="020F0502020204030204" pitchFamily="34" charset="0"/>
+                <a:cs typeface="Times New Roman" panose="02020603050405020304" pitchFamily="18" charset="0"/>
+              </a:rPr>
+              <a:t>Figure </a:t>
+            </a:r>
+            <a:r>
+              <a:rPr lang="en-US" i="1" dirty="0" smtClean="0">
+                <a:solidFill>
+                  <a:srgbClr val="44546A"/>
+                </a:solidFill>
+                <a:latin typeface="Calibri" panose="020F0502020204030204" pitchFamily="34" charset="0"/>
+                <a:ea typeface="Calibri" panose="020F0502020204030204" pitchFamily="34" charset="0"/>
+                <a:cs typeface="Times New Roman" panose="02020603050405020304" pitchFamily="18" charset="0"/>
+              </a:rPr>
+              <a:t>: </a:t>
+            </a:r>
+            <a:r>
+              <a:rPr lang="en-US" i="1" dirty="0">
+                <a:solidFill>
+                  <a:srgbClr val="44546A"/>
+                </a:solidFill>
+                <a:latin typeface="Calibri" panose="020F0502020204030204" pitchFamily="34" charset="0"/>
+                <a:ea typeface="Calibri" panose="020F0502020204030204" pitchFamily="34" charset="0"/>
+                <a:cs typeface="Times New Roman" panose="02020603050405020304" pitchFamily="18" charset="0"/>
+              </a:rPr>
+              <a:t>Student name modified successfully</a:t>
+            </a:r>
+            <a:endParaRPr lang="en-US" i="1" dirty="0">
+              <a:solidFill>
+                <a:srgbClr val="44546A"/>
+              </a:solidFill>
+              <a:effectLst/>
+              <a:latin typeface="Calibri" panose="020F0502020204030204" pitchFamily="34" charset="0"/>
+              <a:ea typeface="Calibri" panose="020F0502020204030204" pitchFamily="34" charset="0"/>
+              <a:cs typeface="Times New Roman" panose="02020603050405020304" pitchFamily="18" charset="0"/>
+            </a:endParaRPr>
+          </a:p>
+        </p:txBody>
+      </p:sp>
+    </p:spTree>
+    <p:extLst>
+      <p:ext uri="{BB962C8B-B14F-4D97-AF65-F5344CB8AC3E}">
+        <p14:creationId xmlns:p14="http://schemas.microsoft.com/office/powerpoint/2010/main" val="2228642793"/>
+      </p:ext>
+    </p:extLst>
+  </p:cSld>
+  <p:clrMapOvr>
+    <a:masterClrMapping/>
+  </p:clrMapOvr>
+</p:sld>
+</file>
+
+<file path=ppt/slides/slide35.xml><?xml version="1.0" encoding="utf-8"?>
+<p:sld xmlns:a="http://schemas.openxmlformats.org/drawingml/2006/main" xmlns:r="http://schemas.openxmlformats.org/officeDocument/2006/relationships" xmlns:p="http://schemas.openxmlformats.org/presentationml/2006/main">
+  <p:cSld>
+    <p:spTree>
+      <p:nvGrpSpPr>
+        <p:cNvPr id="1" name=""/>
+        <p:cNvGrpSpPr/>
+        <p:nvPr/>
+      </p:nvGrpSpPr>
+      <p:grpSpPr>
+        <a:xfrm>
+          <a:off x="0" y="0"/>
+          <a:ext cx="0" cy="0"/>
+          <a:chOff x="0" y="0"/>
+          <a:chExt cx="0" cy="0"/>
+        </a:xfrm>
+      </p:grpSpPr>
+      <p:sp>
+        <p:nvSpPr>
+          <p:cNvPr id="3" name="Content Placeholder 2"/>
+          <p:cNvSpPr>
+            <a:spLocks noGrp="1"/>
+          </p:cNvSpPr>
+          <p:nvPr>
+            <p:ph idx="1"/>
+          </p:nvPr>
+        </p:nvSpPr>
+        <p:spPr>
+          <a:xfrm>
+            <a:off x="214685" y="1463040"/>
+            <a:ext cx="11353800" cy="6858000"/>
+          </a:xfrm>
+        </p:spPr>
+        <p:txBody>
+          <a:bodyPr/>
+          <a:lstStyle/>
+          <a:p>
+            <a:pPr marL="0" indent="0">
+              <a:buNone/>
+            </a:pPr>
+            <a:r>
+              <a:rPr lang="en-US" dirty="0"/>
+              <a:t>Now, we can see the modification data of the student</a:t>
+            </a:r>
+          </a:p>
+          <a:p>
+            <a:pPr marL="0" indent="0">
+              <a:buNone/>
+            </a:pPr>
+            <a:r>
+              <a:rPr lang="en-US" dirty="0"/>
+              <a:t> </a:t>
+            </a:r>
+          </a:p>
+        </p:txBody>
+      </p:sp>
+      <p:pic>
+        <p:nvPicPr>
+          <p:cNvPr id="4" name="Picture 3"/>
+          <p:cNvPicPr/>
+          <p:nvPr/>
+        </p:nvPicPr>
+        <p:blipFill>
+          <a:blip r:embed="rId2">
+            <a:extLst>
+              <a:ext uri="{28A0092B-C50C-407E-A947-70E740481C1C}">
+                <a14:useLocalDpi xmlns:a14="http://schemas.microsoft.com/office/drawing/2010/main" val="0"/>
+              </a:ext>
+            </a:extLst>
+          </a:blip>
+          <a:stretch>
+            <a:fillRect/>
+          </a:stretch>
+        </p:blipFill>
+        <p:spPr>
+          <a:xfrm>
+            <a:off x="456206" y="2391521"/>
+            <a:ext cx="6477000" cy="1104900"/>
+          </a:xfrm>
+          <a:prstGeom prst="rect">
+            <a:avLst/>
+          </a:prstGeom>
+        </p:spPr>
+      </p:pic>
+      <p:sp>
+        <p:nvSpPr>
+          <p:cNvPr id="5" name="Rectangle 4"/>
+          <p:cNvSpPr/>
+          <p:nvPr/>
+        </p:nvSpPr>
+        <p:spPr>
+          <a:xfrm>
+            <a:off x="1213263" y="4341613"/>
+            <a:ext cx="3961021" cy="369332"/>
+          </a:xfrm>
+          <a:prstGeom prst="rect">
+            <a:avLst/>
+          </a:prstGeom>
+        </p:spPr>
+        <p:txBody>
+          <a:bodyPr wrap="none">
+            <a:spAutoFit/>
+          </a:bodyPr>
+          <a:lstStyle/>
+          <a:p>
+            <a:r>
+              <a:rPr lang="en-US" dirty="0">
+                <a:latin typeface="Calibri" panose="020F0502020204030204" pitchFamily="34" charset="0"/>
+                <a:ea typeface="Calibri" panose="020F0502020204030204" pitchFamily="34" charset="0"/>
+                <a:cs typeface="Times New Roman" panose="02020603050405020304" pitchFamily="18" charset="0"/>
+              </a:rPr>
+              <a:t>Figure 53: Student name being modified</a:t>
+            </a:r>
+            <a:endParaRPr lang="en-US" dirty="0"/>
+          </a:p>
+        </p:txBody>
+      </p:sp>
+    </p:spTree>
+    <p:extLst>
+      <p:ext uri="{BB962C8B-B14F-4D97-AF65-F5344CB8AC3E}">
+        <p14:creationId xmlns:p14="http://schemas.microsoft.com/office/powerpoint/2010/main" val="1098835415"/>
+      </p:ext>
+    </p:extLst>
+  </p:cSld>
+  <p:clrMapOvr>
+    <a:masterClrMapping/>
+  </p:clrMapOvr>
+</p:sld>
+</file>
+
+<file path=ppt/slides/slide36.xml><?xml version="1.0" encoding="utf-8"?>
+<p:sld xmlns:a="http://schemas.openxmlformats.org/drawingml/2006/main" xmlns:r="http://schemas.openxmlformats.org/officeDocument/2006/relationships" xmlns:p="http://schemas.openxmlformats.org/presentationml/2006/main">
+  <p:cSld>
+    <p:spTree>
+      <p:nvGrpSpPr>
+        <p:cNvPr id="1" name=""/>
+        <p:cNvGrpSpPr/>
+        <p:nvPr/>
+      </p:nvGrpSpPr>
+      <p:grpSpPr>
+        <a:xfrm>
+          <a:off x="0" y="0"/>
+          <a:ext cx="0" cy="0"/>
+          <a:chOff x="0" y="0"/>
+          <a:chExt cx="0" cy="0"/>
+        </a:xfrm>
+      </p:grpSpPr>
+      <p:sp>
+        <p:nvSpPr>
+          <p:cNvPr id="2" name="Title 1"/>
+          <p:cNvSpPr>
+            <a:spLocks noGrp="1"/>
+          </p:cNvSpPr>
+          <p:nvPr>
+            <p:ph type="title"/>
+          </p:nvPr>
+        </p:nvSpPr>
+        <p:spPr/>
+        <p:txBody>
+          <a:bodyPr/>
+          <a:lstStyle/>
+          <a:p>
+            <a:r>
+              <a:rPr lang="en-US" dirty="0" smtClean="0"/>
+              <a:t>Limitations</a:t>
+            </a:r>
+            <a:endParaRPr lang="en-US" dirty="0"/>
+          </a:p>
+        </p:txBody>
+      </p:sp>
+      <p:sp>
+        <p:nvSpPr>
+          <p:cNvPr id="3" name="Content Placeholder 2"/>
+          <p:cNvSpPr>
+            <a:spLocks noGrp="1"/>
+          </p:cNvSpPr>
+          <p:nvPr>
+            <p:ph idx="1"/>
+          </p:nvPr>
+        </p:nvSpPr>
+        <p:spPr/>
+        <p:txBody>
+          <a:bodyPr/>
+          <a:lstStyle/>
+          <a:p>
+            <a:pPr lvl="0"/>
+            <a:endParaRPr lang="en-US" dirty="0" smtClean="0"/>
+          </a:p>
+          <a:p>
+            <a:pPr lvl="0"/>
+            <a:endParaRPr lang="en-US" dirty="0"/>
+          </a:p>
+          <a:p>
+            <a:pPr lvl="0">
+              <a:buFont typeface="Wingdings" panose="05000000000000000000" pitchFamily="2" charset="2"/>
+              <a:buChar char="Ø"/>
+            </a:pPr>
+            <a:r>
+              <a:rPr lang="en-US" dirty="0" smtClean="0"/>
+              <a:t>If </a:t>
+            </a:r>
+            <a:r>
+              <a:rPr lang="en-US" dirty="0"/>
+              <a:t>the system crashes this application will be corrupted.</a:t>
+            </a:r>
+          </a:p>
+          <a:p>
+            <a:pPr lvl="0">
+              <a:buFont typeface="Wingdings" panose="05000000000000000000" pitchFamily="2" charset="2"/>
+              <a:buChar char="Ø"/>
+            </a:pPr>
+            <a:r>
+              <a:rPr lang="en-US" dirty="0"/>
+              <a:t>Backend can be accessed for the storage but there is limit in storage.</a:t>
+            </a:r>
+          </a:p>
+          <a:p>
+            <a:pPr lvl="0">
+              <a:buFont typeface="Wingdings" panose="05000000000000000000" pitchFamily="2" charset="2"/>
+              <a:buChar char="Ø"/>
+            </a:pPr>
+            <a:r>
+              <a:rPr lang="en-US" dirty="0"/>
+              <a:t>It is </a:t>
+            </a:r>
+            <a:r>
+              <a:rPr lang="en-US" dirty="0" smtClean="0"/>
+              <a:t>online software but not complete</a:t>
+            </a:r>
+            <a:endParaRPr lang="en-US" dirty="0"/>
+          </a:p>
+          <a:p>
+            <a:pPr>
+              <a:buFont typeface="Wingdings" panose="05000000000000000000" pitchFamily="2" charset="2"/>
+              <a:buChar char="Ø"/>
+            </a:pPr>
+            <a:r>
+              <a:rPr lang="en-US" dirty="0"/>
+              <a:t>This application can be used only by school management</a:t>
+            </a:r>
+          </a:p>
+        </p:txBody>
+      </p:sp>
+    </p:spTree>
+    <p:extLst>
+      <p:ext uri="{BB962C8B-B14F-4D97-AF65-F5344CB8AC3E}">
+        <p14:creationId xmlns:p14="http://schemas.microsoft.com/office/powerpoint/2010/main" val="3095239326"/>
+      </p:ext>
+    </p:extLst>
+  </p:cSld>
+  <p:clrMapOvr>
+    <a:masterClrMapping/>
+  </p:clrMapOvr>
+  <p:timing>
+    <p:tnLst>
+      <p:par>
+        <p:cTn id="1" dur="indefinite" restart="never" nodeType="tmRoot"/>
+      </p:par>
+    </p:tnLst>
+  </p:timing>
+</p:sld>
+</file>
+
+<file path=ppt/slides/slide37.xml><?xml version="1.0" encoding="utf-8"?>
+<p:sld xmlns:a="http://schemas.openxmlformats.org/drawingml/2006/main" xmlns:r="http://schemas.openxmlformats.org/officeDocument/2006/relationships" xmlns:p="http://schemas.openxmlformats.org/presentationml/2006/main">
+  <p:cSld>
+    <p:spTree>
+      <p:nvGrpSpPr>
+        <p:cNvPr id="1" name=""/>
+        <p:cNvGrpSpPr/>
+        <p:nvPr/>
+      </p:nvGrpSpPr>
+      <p:grpSpPr>
+        <a:xfrm>
+          <a:off x="0" y="0"/>
+          <a:ext cx="0" cy="0"/>
+          <a:chOff x="0" y="0"/>
+          <a:chExt cx="0" cy="0"/>
+        </a:xfrm>
+      </p:grpSpPr>
+      <p:sp>
+        <p:nvSpPr>
+          <p:cNvPr id="2" name="Title 1"/>
+          <p:cNvSpPr>
+            <a:spLocks noGrp="1"/>
+          </p:cNvSpPr>
+          <p:nvPr>
+            <p:ph type="title"/>
+          </p:nvPr>
+        </p:nvSpPr>
+        <p:spPr/>
+        <p:txBody>
+          <a:bodyPr/>
+          <a:lstStyle/>
+          <a:p>
             <a:r>
               <a:rPr lang="en-US" dirty="0" smtClean="0"/>
               <a:t>conclusion</a:t>
@@ -5560,7 +8264,7 @@
 </p:sld>
 </file>
 
-<file path=ppt/slides/slide28.xml><?xml version="1.0" encoding="utf-8"?>
+<file path=ppt/slides/slide38.xml><?xml version="1.0" encoding="utf-8"?>
 <p:sld xmlns:a="http://schemas.openxmlformats.org/drawingml/2006/main" xmlns:r="http://schemas.openxmlformats.org/officeDocument/2006/relationships" xmlns:p="http://schemas.openxmlformats.org/presentationml/2006/main">
   <p:cSld>
     <p:spTree>
@@ -5713,7 +8417,7 @@
 </p:sld>
 </file>
 
-<file path=ppt/slides/slide29.xml><?xml version="1.0" encoding="utf-8"?>
+<file path=ppt/slides/slide39.xml><?xml version="1.0" encoding="utf-8"?>
 <p:sld xmlns:a="http://schemas.openxmlformats.org/drawingml/2006/main" xmlns:r="http://schemas.openxmlformats.org/officeDocument/2006/relationships" xmlns:p="http://schemas.openxmlformats.org/presentationml/2006/main">
   <p:cSld>
     <p:spTree>
@@ -5793,109 +8497,6 @@
     <p:extLst>
       <p:ext uri="{BB962C8B-B14F-4D97-AF65-F5344CB8AC3E}">
         <p14:creationId xmlns:p14="http://schemas.microsoft.com/office/powerpoint/2010/main" val="1253318022"/>
-      </p:ext>
-    </p:extLst>
-  </p:cSld>
-  <p:clrMapOvr>
-    <a:masterClrMapping/>
-  </p:clrMapOvr>
-  <p:timing>
-    <p:tnLst>
-      <p:par>
-        <p:cTn id="1" dur="indefinite" restart="never" nodeType="tmRoot"/>
-      </p:par>
-    </p:tnLst>
-  </p:timing>
-</p:sld>
-</file>
-
-<file path=ppt/slides/slide3.xml><?xml version="1.0" encoding="utf-8"?>
-<p:sld xmlns:a="http://schemas.openxmlformats.org/drawingml/2006/main" xmlns:r="http://schemas.openxmlformats.org/officeDocument/2006/relationships" xmlns:p="http://schemas.openxmlformats.org/presentationml/2006/main">
-  <p:cSld>
-    <p:spTree>
-      <p:nvGrpSpPr>
-        <p:cNvPr id="1" name=""/>
-        <p:cNvGrpSpPr/>
-        <p:nvPr/>
-      </p:nvGrpSpPr>
-      <p:grpSpPr>
-        <a:xfrm>
-          <a:off x="0" y="0"/>
-          <a:ext cx="0" cy="0"/>
-          <a:chOff x="0" y="0"/>
-          <a:chExt cx="0" cy="0"/>
-        </a:xfrm>
-      </p:grpSpPr>
-      <p:sp>
-        <p:nvSpPr>
-          <p:cNvPr id="2" name="Title 1"/>
-          <p:cNvSpPr>
-            <a:spLocks noGrp="1"/>
-          </p:cNvSpPr>
-          <p:nvPr>
-            <p:ph type="title"/>
-          </p:nvPr>
-        </p:nvSpPr>
-        <p:spPr/>
-        <p:txBody>
-          <a:bodyPr/>
-          <a:lstStyle/>
-          <a:p>
-            <a:r>
-              <a:rPr lang="en-US" dirty="0" smtClean="0"/>
-              <a:t>Problem statement</a:t>
-            </a:r>
-            <a:endParaRPr lang="en-US" dirty="0"/>
-          </a:p>
-        </p:txBody>
-      </p:sp>
-      <p:sp>
-        <p:nvSpPr>
-          <p:cNvPr id="3" name="Content Placeholder 2"/>
-          <p:cNvSpPr>
-            <a:spLocks noGrp="1"/>
-          </p:cNvSpPr>
-          <p:nvPr>
-            <p:ph idx="1"/>
-          </p:nvPr>
-        </p:nvSpPr>
-        <p:spPr/>
-        <p:txBody>
-          <a:bodyPr/>
-          <a:lstStyle/>
-          <a:p>
-            <a:r>
-              <a:rPr lang="en-US" dirty="0" smtClean="0"/>
-              <a:t>School without this software is having big problem in managing the daily details of school activities. Problems were</a:t>
-            </a:r>
-          </a:p>
-          <a:p>
-            <a:r>
-              <a:rPr lang="en-US" dirty="0" smtClean="0"/>
-              <a:t>Difficult to understand how to manage the students </a:t>
-            </a:r>
-          </a:p>
-          <a:p>
-            <a:r>
-              <a:rPr lang="en-US" dirty="0" smtClean="0"/>
-              <a:t>Problem in finding the details of anything of school whenever needed</a:t>
-            </a:r>
-          </a:p>
-          <a:p>
-            <a:r>
-              <a:rPr lang="en-US" dirty="0" smtClean="0"/>
-              <a:t>Problem in communication with teacher </a:t>
-            </a:r>
-          </a:p>
-          <a:p>
-            <a:endParaRPr lang="en-US" dirty="0"/>
-          </a:p>
-        </p:txBody>
-      </p:sp>
-    </p:spTree>
-    <p:extLst>
-      <p:ext uri="{BB962C8B-B14F-4D97-AF65-F5344CB8AC3E}">
-        <p14:creationId xmlns:p14="http://schemas.microsoft.com/office/powerpoint/2010/main" val="559177713"/>
       </p:ext>
     </p:extLst>
   </p:cSld>
@@ -5964,43 +8565,47 @@
         </p:nvSpPr>
         <p:spPr/>
         <p:txBody>
-          <a:bodyPr/>
-          <a:lstStyle/>
-          <a:p>
-            <a:r>
-              <a:rPr lang="en-US" dirty="0" smtClean="0"/>
-              <a:t>Software company with prestige that provides best results.</a:t>
-            </a:r>
-          </a:p>
-          <a:p>
-            <a:r>
-              <a:rPr lang="en-US" dirty="0" smtClean="0"/>
-              <a:t>Customer satisfied</a:t>
-            </a:r>
-          </a:p>
-          <a:p>
-            <a:r>
-              <a:rPr lang="en-US" dirty="0" smtClean="0"/>
-              <a:t>Already built software like school before</a:t>
-            </a:r>
-          </a:p>
-          <a:p>
-            <a:r>
-              <a:rPr lang="en-US" dirty="0" smtClean="0"/>
-              <a:t>Software made mainly for school</a:t>
-            </a:r>
-          </a:p>
-          <a:p>
-            <a:r>
-              <a:rPr lang="en-US" dirty="0" smtClean="0"/>
-              <a:t>User friendly software.</a:t>
-            </a:r>
-          </a:p>
-          <a:p>
-            <a:r>
-              <a:rPr lang="en-US" dirty="0" smtClean="0"/>
-              <a:t>Won values to its services since the clients user are happy with its product.</a:t>
-            </a:r>
+          <a:bodyPr>
+            <a:normAutofit lnSpcReduction="10000"/>
+          </a:bodyPr>
+          <a:lstStyle/>
+          <a:p>
+            <a:pPr lvl="0"/>
+            <a:r>
+              <a:rPr lang="en-US" dirty="0"/>
+              <a:t>The school management has no record system in database, they are using record book for all the activities which is waste of money and also not safe since it can be damaged by air, water and dust.</a:t>
+            </a:r>
+          </a:p>
+          <a:p>
+            <a:pPr lvl="0"/>
+            <a:r>
+              <a:rPr lang="en-US" dirty="0"/>
+              <a:t>Difficult in finding the record of students and the teachers. </a:t>
+            </a:r>
+          </a:p>
+          <a:p>
+            <a:pPr lvl="0"/>
+            <a:r>
+              <a:rPr lang="en-US" dirty="0"/>
+              <a:t>Time consuming since searching each student in the record book is difficult.</a:t>
+            </a:r>
+          </a:p>
+          <a:p>
+            <a:pPr lvl="0"/>
+            <a:r>
+              <a:rPr lang="en-US" dirty="0"/>
+              <a:t>School was facing the problem in recording the attendances and the          report in and fees</a:t>
+            </a:r>
+          </a:p>
+          <a:p>
+            <a:pPr lvl="0"/>
+            <a:r>
+              <a:rPr lang="en-US" dirty="0"/>
+              <a:t>There was not clear idea of how many students are enrolled every year.</a:t>
+            </a:r>
+          </a:p>
+          <a:p>
+            <a:endParaRPr lang="en-US" dirty="0" smtClean="0"/>
           </a:p>
         </p:txBody>
       </p:sp>
@@ -6122,6 +8727,27 @@
             <a:r>
               <a:rPr lang="en-US" dirty="0" smtClean="0"/>
               <a:t>To make admin easy in running academic process easy and fast </a:t>
+            </a:r>
+            <a:endParaRPr lang="en-US" dirty="0" smtClean="0"/>
+          </a:p>
+          <a:p>
+            <a:pPr lvl="0">
+              <a:buFont typeface="Wingdings" panose="05000000000000000000" pitchFamily="2" charset="2"/>
+              <a:buChar char="Ø"/>
+            </a:pPr>
+            <a:r>
+              <a:rPr lang="en-US" dirty="0" smtClean="0"/>
+              <a:t>To provide online exams</a:t>
+            </a:r>
+          </a:p>
+          <a:p>
+            <a:pPr lvl="0">
+              <a:buFont typeface="Wingdings" panose="05000000000000000000" pitchFamily="2" charset="2"/>
+              <a:buChar char="Ø"/>
+            </a:pPr>
+            <a:r>
+              <a:rPr lang="en-US" dirty="0" smtClean="0"/>
+              <a:t>To provide SMS/email facility for the notifications by admin </a:t>
             </a:r>
             <a:endParaRPr lang="en-US" dirty="0"/>
           </a:p>
